--- a/PPT/Typography.pptx
+++ b/PPT/Typography.pptx
@@ -9,6 +9,10 @@
     <p:sldId id="257" r:id="rId3"/>
     <p:sldId id="258" r:id="rId4"/>
     <p:sldId id="259" r:id="rId5"/>
+    <p:sldId id="260" r:id="rId6"/>
+    <p:sldId id="261" r:id="rId7"/>
+    <p:sldId id="262" r:id="rId8"/>
+    <p:sldId id="263" r:id="rId9"/>
   </p:sldIdLst>
   <p:sldSz cx="12192000" cy="6858000"/>
   <p:notesSz cx="6858000" cy="9144000"/>
@@ -2414,41 +2418,44 @@
           <a:lstStyle/>
           <a:p>
             <a:r>
+              <a:rPr lang="en-US" dirty="0"/>
+              <a:t>Web Typography</a:t>
+            </a:r>
+          </a:p>
+        </p:txBody>
+      </p:sp>
+      <p:sp>
+        <p:nvSpPr>
+          <p:cNvPr id="3" name="Untertitel 2">
+            <a:extLst>
+              <a:ext uri="{FF2B5EF4-FFF2-40B4-BE49-F238E27FC236}">
+                <a16:creationId xmlns:a16="http://schemas.microsoft.com/office/drawing/2014/main" id="{74F05E7A-82D7-6E37-0FB3-9C48259E7F5A}"/>
+              </a:ext>
+            </a:extLst>
+          </p:cNvPr>
+          <p:cNvSpPr>
+            <a:spLocks noGrp="1"/>
+          </p:cNvSpPr>
+          <p:nvPr>
+            <p:ph type="subTitle" idx="1"/>
+          </p:nvPr>
+        </p:nvSpPr>
+        <p:spPr/>
+        <p:txBody>
+          <a:bodyPr/>
+          <a:lstStyle/>
+          <a:p>
+            <a:r>
               <a:rPr lang="de-DE" dirty="0"/>
-              <a:t>Web </a:t>
-            </a:r>
-            <a:r>
-              <a:rPr lang="de-DE" dirty="0" err="1"/>
-              <a:t>Typography</a:t>
-            </a:r>
-            <a:endParaRPr lang="de-AT" dirty="0"/>
-          </a:p>
-        </p:txBody>
-      </p:sp>
-      <p:sp>
-        <p:nvSpPr>
-          <p:cNvPr id="3" name="Untertitel 2">
-            <a:extLst>
-              <a:ext uri="{FF2B5EF4-FFF2-40B4-BE49-F238E27FC236}">
-                <a16:creationId xmlns:a16="http://schemas.microsoft.com/office/drawing/2014/main" id="{74F05E7A-82D7-6E37-0FB3-9C48259E7F5A}"/>
-              </a:ext>
-            </a:extLst>
-          </p:cNvPr>
-          <p:cNvSpPr>
-            <a:spLocks noGrp="1"/>
-          </p:cNvSpPr>
-          <p:nvPr>
-            <p:ph type="subTitle" idx="1"/>
-          </p:nvPr>
-        </p:nvSpPr>
-        <p:spPr/>
-        <p:txBody>
-          <a:bodyPr/>
-          <a:lstStyle/>
-          <a:p>
+              <a:t>By </a:t>
+            </a:r>
+            <a:r>
+              <a:rPr lang="en-US" dirty="0" err="1"/>
+              <a:t>Rexhepi</a:t>
+            </a:r>
             <a:r>
               <a:rPr lang="de-DE" dirty="0"/>
-              <a:t>By Rexhepi, Nachbar und Mayr</a:t>
+              <a:t>, Nachbar und Mayr</a:t>
             </a:r>
             <a:endParaRPr lang="de-AT" dirty="0"/>
           </a:p>
@@ -2505,7 +2512,7 @@
           <a:bodyPr/>
           <a:lstStyle/>
           <a:p>
-            <a:endParaRPr lang="de-AT" dirty="0"/>
+            <a:endParaRPr lang="en-US" dirty="0"/>
           </a:p>
         </p:txBody>
       </p:sp>
@@ -2530,7 +2537,7 @@
           <a:bodyPr/>
           <a:lstStyle/>
           <a:p>
-            <a:endParaRPr lang="de-AT" dirty="0"/>
+            <a:endParaRPr lang="en-US" dirty="0"/>
           </a:p>
         </p:txBody>
       </p:sp>
@@ -2662,7 +2669,10 @@
           <a:bodyPr/>
           <a:lstStyle/>
           <a:p>
-            <a:endParaRPr lang="de-AT"/>
+            <a:r>
+              <a:rPr lang="en-US"/>
+              <a:t>Pairing</a:t>
+            </a:r>
           </a:p>
         </p:txBody>
       </p:sp>
@@ -2687,7 +2697,7 @@
           <a:bodyPr/>
           <a:lstStyle/>
           <a:p>
-            <a:endParaRPr lang="de-AT"/>
+            <a:endParaRPr lang="en-US" dirty="0"/>
           </a:p>
         </p:txBody>
       </p:sp>
@@ -2742,7 +2752,11 @@
           <a:bodyPr/>
           <a:lstStyle/>
           <a:p>
-            <a:endParaRPr lang="de-AT"/>
+            <a:r>
+              <a:rPr lang="en-US"/>
+              <a:t>Responsivnes</a:t>
+            </a:r>
+            <a:endParaRPr lang="en-US" dirty="0"/>
           </a:p>
         </p:txBody>
       </p:sp>
@@ -2767,7 +2781,7 @@
           <a:bodyPr/>
           <a:lstStyle/>
           <a:p>
-            <a:endParaRPr lang="de-AT"/>
+            <a:endParaRPr lang="en-US"/>
           </a:p>
         </p:txBody>
       </p:sp>
@@ -2775,6 +2789,337 @@
     <p:extLst>
       <p:ext uri="{BB962C8B-B14F-4D97-AF65-F5344CB8AC3E}">
         <p14:creationId xmlns:p14="http://schemas.microsoft.com/office/powerpoint/2010/main" val="118699973"/>
+      </p:ext>
+    </p:extLst>
+  </p:cSld>
+  <p:clrMapOvr>
+    <a:masterClrMapping/>
+  </p:clrMapOvr>
+</p:sld>
+</file>
+
+<file path=ppt/slides/slide5.xml><?xml version="1.0" encoding="utf-8"?>
+<p:sld xmlns:a="http://schemas.openxmlformats.org/drawingml/2006/main" xmlns:r="http://schemas.openxmlformats.org/officeDocument/2006/relationships" xmlns:p="http://schemas.openxmlformats.org/presentationml/2006/main">
+  <p:cSld>
+    <p:spTree>
+      <p:nvGrpSpPr>
+        <p:cNvPr id="1" name=""/>
+        <p:cNvGrpSpPr/>
+        <p:nvPr/>
+      </p:nvGrpSpPr>
+      <p:grpSpPr>
+        <a:xfrm>
+          <a:off x="0" y="0"/>
+          <a:ext cx="0" cy="0"/>
+          <a:chOff x="0" y="0"/>
+          <a:chExt cx="0" cy="0"/>
+        </a:xfrm>
+      </p:grpSpPr>
+      <p:sp>
+        <p:nvSpPr>
+          <p:cNvPr id="2" name="Titel 1">
+            <a:extLst>
+              <a:ext uri="{FF2B5EF4-FFF2-40B4-BE49-F238E27FC236}">
+                <a16:creationId xmlns:a16="http://schemas.microsoft.com/office/drawing/2014/main" id="{6DECB9B3-EC63-1825-038A-09A2F44A85EF}"/>
+              </a:ext>
+            </a:extLst>
+          </p:cNvPr>
+          <p:cNvSpPr>
+            <a:spLocks noGrp="1"/>
+          </p:cNvSpPr>
+          <p:nvPr>
+            <p:ph type="title"/>
+          </p:nvPr>
+        </p:nvSpPr>
+        <p:spPr/>
+        <p:txBody>
+          <a:bodyPr/>
+          <a:lstStyle/>
+          <a:p>
+            <a:r>
+              <a:rPr lang="de-DE" dirty="0"/>
+              <a:t>Feeling</a:t>
+            </a:r>
+            <a:endParaRPr lang="de-AT" dirty="0"/>
+          </a:p>
+        </p:txBody>
+      </p:sp>
+      <p:sp>
+        <p:nvSpPr>
+          <p:cNvPr id="3" name="Inhaltsplatzhalter 2">
+            <a:extLst>
+              <a:ext uri="{FF2B5EF4-FFF2-40B4-BE49-F238E27FC236}">
+                <a16:creationId xmlns:a16="http://schemas.microsoft.com/office/drawing/2014/main" id="{B86585E8-3FD6-B704-671D-FD7D50C52788}"/>
+              </a:ext>
+            </a:extLst>
+          </p:cNvPr>
+          <p:cNvSpPr>
+            <a:spLocks noGrp="1"/>
+          </p:cNvSpPr>
+          <p:nvPr>
+            <p:ph idx="1"/>
+          </p:nvPr>
+        </p:nvSpPr>
+        <p:spPr/>
+        <p:txBody>
+          <a:bodyPr/>
+          <a:lstStyle/>
+          <a:p>
+            <a:endParaRPr lang="en-US"/>
+          </a:p>
+        </p:txBody>
+      </p:sp>
+    </p:spTree>
+    <p:extLst>
+      <p:ext uri="{BB962C8B-B14F-4D97-AF65-F5344CB8AC3E}">
+        <p14:creationId xmlns:p14="http://schemas.microsoft.com/office/powerpoint/2010/main" val="2888038529"/>
+      </p:ext>
+    </p:extLst>
+  </p:cSld>
+  <p:clrMapOvr>
+    <a:masterClrMapping/>
+  </p:clrMapOvr>
+</p:sld>
+</file>
+
+<file path=ppt/slides/slide6.xml><?xml version="1.0" encoding="utf-8"?>
+<p:sld xmlns:a="http://schemas.openxmlformats.org/drawingml/2006/main" xmlns:r="http://schemas.openxmlformats.org/officeDocument/2006/relationships" xmlns:p="http://schemas.openxmlformats.org/presentationml/2006/main">
+  <p:cSld>
+    <p:spTree>
+      <p:nvGrpSpPr>
+        <p:cNvPr id="1" name=""/>
+        <p:cNvGrpSpPr/>
+        <p:nvPr/>
+      </p:nvGrpSpPr>
+      <p:grpSpPr>
+        <a:xfrm>
+          <a:off x="0" y="0"/>
+          <a:ext cx="0" cy="0"/>
+          <a:chOff x="0" y="0"/>
+          <a:chExt cx="0" cy="0"/>
+        </a:xfrm>
+      </p:grpSpPr>
+      <p:sp>
+        <p:nvSpPr>
+          <p:cNvPr id="2" name="Titel 1">
+            <a:extLst>
+              <a:ext uri="{FF2B5EF4-FFF2-40B4-BE49-F238E27FC236}">
+                <a16:creationId xmlns:a16="http://schemas.microsoft.com/office/drawing/2014/main" id="{B20A5D44-7AA0-6E29-4AA8-16F4A2442CF9}"/>
+              </a:ext>
+            </a:extLst>
+          </p:cNvPr>
+          <p:cNvSpPr>
+            <a:spLocks noGrp="1"/>
+          </p:cNvSpPr>
+          <p:nvPr>
+            <p:ph type="title"/>
+          </p:nvPr>
+        </p:nvSpPr>
+        <p:spPr/>
+        <p:txBody>
+          <a:bodyPr/>
+          <a:lstStyle/>
+          <a:p>
+            <a:r>
+              <a:rPr lang="de-DE" dirty="0"/>
+              <a:t>Variable Fonts</a:t>
+            </a:r>
+            <a:endParaRPr lang="de-AT" dirty="0"/>
+          </a:p>
+        </p:txBody>
+      </p:sp>
+      <p:sp>
+        <p:nvSpPr>
+          <p:cNvPr id="3" name="Inhaltsplatzhalter 2">
+            <a:extLst>
+              <a:ext uri="{FF2B5EF4-FFF2-40B4-BE49-F238E27FC236}">
+                <a16:creationId xmlns:a16="http://schemas.microsoft.com/office/drawing/2014/main" id="{4B772D03-4A0A-FC8E-0ABA-415C1200A520}"/>
+              </a:ext>
+            </a:extLst>
+          </p:cNvPr>
+          <p:cNvSpPr>
+            <a:spLocks noGrp="1"/>
+          </p:cNvSpPr>
+          <p:nvPr>
+            <p:ph idx="1"/>
+          </p:nvPr>
+        </p:nvSpPr>
+        <p:spPr/>
+        <p:txBody>
+          <a:bodyPr/>
+          <a:lstStyle/>
+          <a:p>
+            <a:endParaRPr lang="en-US"/>
+          </a:p>
+        </p:txBody>
+      </p:sp>
+    </p:spTree>
+    <p:extLst>
+      <p:ext uri="{BB962C8B-B14F-4D97-AF65-F5344CB8AC3E}">
+        <p14:creationId xmlns:p14="http://schemas.microsoft.com/office/powerpoint/2010/main" val="2835090532"/>
+      </p:ext>
+    </p:extLst>
+  </p:cSld>
+  <p:clrMapOvr>
+    <a:masterClrMapping/>
+  </p:clrMapOvr>
+</p:sld>
+</file>
+
+<file path=ppt/slides/slide7.xml><?xml version="1.0" encoding="utf-8"?>
+<p:sld xmlns:a="http://schemas.openxmlformats.org/drawingml/2006/main" xmlns:r="http://schemas.openxmlformats.org/officeDocument/2006/relationships" xmlns:p="http://schemas.openxmlformats.org/presentationml/2006/main">
+  <p:cSld>
+    <p:spTree>
+      <p:nvGrpSpPr>
+        <p:cNvPr id="1" name=""/>
+        <p:cNvGrpSpPr/>
+        <p:nvPr/>
+      </p:nvGrpSpPr>
+      <p:grpSpPr>
+        <a:xfrm>
+          <a:off x="0" y="0"/>
+          <a:ext cx="0" cy="0"/>
+          <a:chOff x="0" y="0"/>
+          <a:chExt cx="0" cy="0"/>
+        </a:xfrm>
+      </p:grpSpPr>
+      <p:sp>
+        <p:nvSpPr>
+          <p:cNvPr id="2" name="Titel 1">
+            <a:extLst>
+              <a:ext uri="{FF2B5EF4-FFF2-40B4-BE49-F238E27FC236}">
+                <a16:creationId xmlns:a16="http://schemas.microsoft.com/office/drawing/2014/main" id="{3C5F5A73-702C-50CC-70D7-6C44CA13CA77}"/>
+              </a:ext>
+            </a:extLst>
+          </p:cNvPr>
+          <p:cNvSpPr>
+            <a:spLocks noGrp="1"/>
+          </p:cNvSpPr>
+          <p:nvPr>
+            <p:ph type="title"/>
+          </p:nvPr>
+        </p:nvSpPr>
+        <p:spPr/>
+        <p:txBody>
+          <a:bodyPr/>
+          <a:lstStyle/>
+          <a:p>
+            <a:endParaRPr lang="en-US"/>
+          </a:p>
+        </p:txBody>
+      </p:sp>
+      <p:sp>
+        <p:nvSpPr>
+          <p:cNvPr id="3" name="Inhaltsplatzhalter 2">
+            <a:extLst>
+              <a:ext uri="{FF2B5EF4-FFF2-40B4-BE49-F238E27FC236}">
+                <a16:creationId xmlns:a16="http://schemas.microsoft.com/office/drawing/2014/main" id="{4361089B-4A3B-9046-05D1-B537881676C2}"/>
+              </a:ext>
+            </a:extLst>
+          </p:cNvPr>
+          <p:cNvSpPr>
+            <a:spLocks noGrp="1"/>
+          </p:cNvSpPr>
+          <p:nvPr>
+            <p:ph idx="1"/>
+          </p:nvPr>
+        </p:nvSpPr>
+        <p:spPr/>
+        <p:txBody>
+          <a:bodyPr/>
+          <a:lstStyle/>
+          <a:p>
+            <a:endParaRPr lang="en-US"/>
+          </a:p>
+        </p:txBody>
+      </p:sp>
+    </p:spTree>
+    <p:extLst>
+      <p:ext uri="{BB962C8B-B14F-4D97-AF65-F5344CB8AC3E}">
+        <p14:creationId xmlns:p14="http://schemas.microsoft.com/office/powerpoint/2010/main" val="2230690830"/>
+      </p:ext>
+    </p:extLst>
+  </p:cSld>
+  <p:clrMapOvr>
+    <a:masterClrMapping/>
+  </p:clrMapOvr>
+</p:sld>
+</file>
+
+<file path=ppt/slides/slide8.xml><?xml version="1.0" encoding="utf-8"?>
+<p:sld xmlns:a="http://schemas.openxmlformats.org/drawingml/2006/main" xmlns:r="http://schemas.openxmlformats.org/officeDocument/2006/relationships" xmlns:p="http://schemas.openxmlformats.org/presentationml/2006/main">
+  <p:cSld>
+    <p:spTree>
+      <p:nvGrpSpPr>
+        <p:cNvPr id="1" name=""/>
+        <p:cNvGrpSpPr/>
+        <p:nvPr/>
+      </p:nvGrpSpPr>
+      <p:grpSpPr>
+        <a:xfrm>
+          <a:off x="0" y="0"/>
+          <a:ext cx="0" cy="0"/>
+          <a:chOff x="0" y="0"/>
+          <a:chExt cx="0" cy="0"/>
+        </a:xfrm>
+      </p:grpSpPr>
+      <p:sp>
+        <p:nvSpPr>
+          <p:cNvPr id="2" name="Titel 1">
+            <a:extLst>
+              <a:ext uri="{FF2B5EF4-FFF2-40B4-BE49-F238E27FC236}">
+                <a16:creationId xmlns:a16="http://schemas.microsoft.com/office/drawing/2014/main" id="{0A8D3AA0-8529-9CD7-ACC2-C15C2802B864}"/>
+              </a:ext>
+            </a:extLst>
+          </p:cNvPr>
+          <p:cNvSpPr>
+            <a:spLocks noGrp="1"/>
+          </p:cNvSpPr>
+          <p:nvPr>
+            <p:ph type="title"/>
+          </p:nvPr>
+        </p:nvSpPr>
+        <p:spPr/>
+        <p:txBody>
+          <a:bodyPr/>
+          <a:lstStyle/>
+          <a:p>
+            <a:r>
+              <a:rPr lang="en-US" dirty="0"/>
+              <a:t>Conclusion</a:t>
+            </a:r>
+          </a:p>
+        </p:txBody>
+      </p:sp>
+      <p:sp>
+        <p:nvSpPr>
+          <p:cNvPr id="3" name="Inhaltsplatzhalter 2">
+            <a:extLst>
+              <a:ext uri="{FF2B5EF4-FFF2-40B4-BE49-F238E27FC236}">
+                <a16:creationId xmlns:a16="http://schemas.microsoft.com/office/drawing/2014/main" id="{83B7D152-D95B-C8CD-A216-8DEAFA55FDEB}"/>
+              </a:ext>
+            </a:extLst>
+          </p:cNvPr>
+          <p:cNvSpPr>
+            <a:spLocks noGrp="1"/>
+          </p:cNvSpPr>
+          <p:nvPr>
+            <p:ph idx="1"/>
+          </p:nvPr>
+        </p:nvSpPr>
+        <p:spPr/>
+        <p:txBody>
+          <a:bodyPr/>
+          <a:lstStyle/>
+          <a:p>
+            <a:endParaRPr lang="en-US" dirty="0"/>
+          </a:p>
+        </p:txBody>
+      </p:sp>
+    </p:spTree>
+    <p:extLst>
+      <p:ext uri="{BB962C8B-B14F-4D97-AF65-F5344CB8AC3E}">
+        <p14:creationId xmlns:p14="http://schemas.microsoft.com/office/powerpoint/2010/main" val="3937198154"/>
       </p:ext>
     </p:extLst>
   </p:cSld>

--- a/PPT/Typography.pptx
+++ b/PPT/Typography.pptx
@@ -117,6 +117,2654 @@
     </p:ext>
   </p:extLst>
 </p:presentation>
+</file>
+
+<file path=ppt/diagrams/colors1.xml><?xml version="1.0" encoding="utf-8"?>
+<dgm:colorsDef xmlns:dgm="http://schemas.openxmlformats.org/drawingml/2006/diagram" xmlns:a="http://schemas.openxmlformats.org/drawingml/2006/main" uniqueId="urn:microsoft.com/office/officeart/2005/8/colors/accent1_2">
+  <dgm:title val=""/>
+  <dgm:desc val=""/>
+  <dgm:catLst>
+    <dgm:cat type="accent1" pri="11200"/>
+  </dgm:catLst>
+  <dgm:styleLbl name="node0">
+    <dgm:fillClrLst meth="repeat">
+      <a:schemeClr val="accent1"/>
+    </dgm:fillClrLst>
+    <dgm:linClrLst meth="repeat">
+      <a:schemeClr val="lt1"/>
+    </dgm:linClrLst>
+    <dgm:effectClrLst/>
+    <dgm:txLinClrLst/>
+    <dgm:txFillClrLst/>
+    <dgm:txEffectClrLst/>
+  </dgm:styleLbl>
+  <dgm:styleLbl name="alignNode1">
+    <dgm:fillClrLst meth="repeat">
+      <a:schemeClr val="accent1"/>
+    </dgm:fillClrLst>
+    <dgm:linClrLst meth="repeat">
+      <a:schemeClr val="accent1"/>
+    </dgm:linClrLst>
+    <dgm:effectClrLst/>
+    <dgm:txLinClrLst/>
+    <dgm:txFillClrLst/>
+    <dgm:txEffectClrLst/>
+  </dgm:styleLbl>
+  <dgm:styleLbl name="node1">
+    <dgm:fillClrLst meth="repeat">
+      <a:schemeClr val="accent1"/>
+    </dgm:fillClrLst>
+    <dgm:linClrLst meth="repeat">
+      <a:schemeClr val="lt1"/>
+    </dgm:linClrLst>
+    <dgm:effectClrLst/>
+    <dgm:txLinClrLst/>
+    <dgm:txFillClrLst/>
+    <dgm:txEffectClrLst/>
+  </dgm:styleLbl>
+  <dgm:styleLbl name="lnNode1">
+    <dgm:fillClrLst meth="repeat">
+      <a:schemeClr val="accent1"/>
+    </dgm:fillClrLst>
+    <dgm:linClrLst meth="repeat">
+      <a:schemeClr val="lt1"/>
+    </dgm:linClrLst>
+    <dgm:effectClrLst/>
+    <dgm:txLinClrLst/>
+    <dgm:txFillClrLst/>
+    <dgm:txEffectClrLst/>
+  </dgm:styleLbl>
+  <dgm:styleLbl name="vennNode1">
+    <dgm:fillClrLst meth="repeat">
+      <a:schemeClr val="accent1">
+        <a:alpha val="50000"/>
+      </a:schemeClr>
+    </dgm:fillClrLst>
+    <dgm:linClrLst meth="repeat">
+      <a:schemeClr val="lt1"/>
+    </dgm:linClrLst>
+    <dgm:effectClrLst/>
+    <dgm:txLinClrLst/>
+    <dgm:txFillClrLst/>
+    <dgm:txEffectClrLst/>
+  </dgm:styleLbl>
+  <dgm:styleLbl name="node2">
+    <dgm:fillClrLst meth="repeat">
+      <a:schemeClr val="accent1"/>
+    </dgm:fillClrLst>
+    <dgm:linClrLst meth="repeat">
+      <a:schemeClr val="lt1"/>
+    </dgm:linClrLst>
+    <dgm:effectClrLst/>
+    <dgm:txLinClrLst/>
+    <dgm:txFillClrLst/>
+    <dgm:txEffectClrLst/>
+  </dgm:styleLbl>
+  <dgm:styleLbl name="node3">
+    <dgm:fillClrLst meth="repeat">
+      <a:schemeClr val="accent1"/>
+    </dgm:fillClrLst>
+    <dgm:linClrLst meth="repeat">
+      <a:schemeClr val="lt1"/>
+    </dgm:linClrLst>
+    <dgm:effectClrLst/>
+    <dgm:txLinClrLst/>
+    <dgm:txFillClrLst/>
+    <dgm:txEffectClrLst/>
+  </dgm:styleLbl>
+  <dgm:styleLbl name="node4">
+    <dgm:fillClrLst meth="repeat">
+      <a:schemeClr val="accent1"/>
+    </dgm:fillClrLst>
+    <dgm:linClrLst meth="repeat">
+      <a:schemeClr val="lt1"/>
+    </dgm:linClrLst>
+    <dgm:effectClrLst/>
+    <dgm:txLinClrLst/>
+    <dgm:txFillClrLst/>
+    <dgm:txEffectClrLst/>
+  </dgm:styleLbl>
+  <dgm:styleLbl name="fgImgPlace1">
+    <dgm:fillClrLst meth="repeat">
+      <a:schemeClr val="accent1">
+        <a:tint val="50000"/>
+      </a:schemeClr>
+    </dgm:fillClrLst>
+    <dgm:linClrLst meth="repeat">
+      <a:schemeClr val="lt1"/>
+    </dgm:linClrLst>
+    <dgm:effectClrLst/>
+    <dgm:txLinClrLst/>
+    <dgm:txFillClrLst meth="repeat">
+      <a:schemeClr val="lt1"/>
+    </dgm:txFillClrLst>
+    <dgm:txEffectClrLst/>
+  </dgm:styleLbl>
+  <dgm:styleLbl name="alignImgPlace1">
+    <dgm:fillClrLst meth="repeat">
+      <a:schemeClr val="accent1">
+        <a:tint val="50000"/>
+      </a:schemeClr>
+    </dgm:fillClrLst>
+    <dgm:linClrLst meth="repeat">
+      <a:schemeClr val="lt1"/>
+    </dgm:linClrLst>
+    <dgm:effectClrLst/>
+    <dgm:txLinClrLst/>
+    <dgm:txFillClrLst meth="repeat">
+      <a:schemeClr val="lt1"/>
+    </dgm:txFillClrLst>
+    <dgm:txEffectClrLst/>
+  </dgm:styleLbl>
+  <dgm:styleLbl name="bgImgPlace1">
+    <dgm:fillClrLst meth="repeat">
+      <a:schemeClr val="accent1">
+        <a:tint val="50000"/>
+      </a:schemeClr>
+    </dgm:fillClrLst>
+    <dgm:linClrLst meth="repeat">
+      <a:schemeClr val="lt1"/>
+    </dgm:linClrLst>
+    <dgm:effectClrLst/>
+    <dgm:txLinClrLst/>
+    <dgm:txFillClrLst meth="repeat">
+      <a:schemeClr val="lt1"/>
+    </dgm:txFillClrLst>
+    <dgm:txEffectClrLst/>
+  </dgm:styleLbl>
+  <dgm:styleLbl name="sibTrans2D1">
+    <dgm:fillClrLst meth="repeat">
+      <a:schemeClr val="accent1">
+        <a:tint val="60000"/>
+      </a:schemeClr>
+    </dgm:fillClrLst>
+    <dgm:linClrLst meth="repeat">
+      <a:schemeClr val="accent1">
+        <a:tint val="60000"/>
+      </a:schemeClr>
+    </dgm:linClrLst>
+    <dgm:effectClrLst/>
+    <dgm:txLinClrLst/>
+    <dgm:txFillClrLst/>
+    <dgm:txEffectClrLst/>
+  </dgm:styleLbl>
+  <dgm:styleLbl name="fgSibTrans2D1">
+    <dgm:fillClrLst meth="repeat">
+      <a:schemeClr val="accent1">
+        <a:tint val="60000"/>
+      </a:schemeClr>
+    </dgm:fillClrLst>
+    <dgm:linClrLst meth="repeat">
+      <a:schemeClr val="accent1">
+        <a:tint val="60000"/>
+      </a:schemeClr>
+    </dgm:linClrLst>
+    <dgm:effectClrLst/>
+    <dgm:txLinClrLst/>
+    <dgm:txFillClrLst/>
+    <dgm:txEffectClrLst/>
+  </dgm:styleLbl>
+  <dgm:styleLbl name="bgSibTrans2D1">
+    <dgm:fillClrLst meth="repeat">
+      <a:schemeClr val="accent1">
+        <a:tint val="60000"/>
+      </a:schemeClr>
+    </dgm:fillClrLst>
+    <dgm:linClrLst meth="repeat">
+      <a:schemeClr val="accent1">
+        <a:tint val="60000"/>
+      </a:schemeClr>
+    </dgm:linClrLst>
+    <dgm:effectClrLst/>
+    <dgm:txLinClrLst/>
+    <dgm:txFillClrLst/>
+    <dgm:txEffectClrLst/>
+  </dgm:styleLbl>
+  <dgm:styleLbl name="sibTrans1D1">
+    <dgm:fillClrLst meth="repeat">
+      <a:schemeClr val="accent1"/>
+    </dgm:fillClrLst>
+    <dgm:linClrLst meth="repeat">
+      <a:schemeClr val="accent1"/>
+    </dgm:linClrLst>
+    <dgm:effectClrLst/>
+    <dgm:txLinClrLst/>
+    <dgm:txFillClrLst meth="repeat">
+      <a:schemeClr val="tx1"/>
+    </dgm:txFillClrLst>
+    <dgm:txEffectClrLst/>
+  </dgm:styleLbl>
+  <dgm:styleLbl name="callout">
+    <dgm:fillClrLst meth="repeat">
+      <a:schemeClr val="accent1"/>
+    </dgm:fillClrLst>
+    <dgm:linClrLst meth="repeat">
+      <a:schemeClr val="accent1">
+        <a:tint val="50000"/>
+      </a:schemeClr>
+    </dgm:linClrLst>
+    <dgm:effectClrLst/>
+    <dgm:txLinClrLst/>
+    <dgm:txFillClrLst meth="repeat">
+      <a:schemeClr val="tx1"/>
+    </dgm:txFillClrLst>
+    <dgm:txEffectClrLst/>
+  </dgm:styleLbl>
+  <dgm:styleLbl name="asst0">
+    <dgm:fillClrLst meth="repeat">
+      <a:schemeClr val="accent1"/>
+    </dgm:fillClrLst>
+    <dgm:linClrLst meth="repeat">
+      <a:schemeClr val="lt1"/>
+    </dgm:linClrLst>
+    <dgm:effectClrLst/>
+    <dgm:txLinClrLst/>
+    <dgm:txFillClrLst/>
+    <dgm:txEffectClrLst/>
+  </dgm:styleLbl>
+  <dgm:styleLbl name="asst1">
+    <dgm:fillClrLst meth="repeat">
+      <a:schemeClr val="accent1"/>
+    </dgm:fillClrLst>
+    <dgm:linClrLst meth="repeat">
+      <a:schemeClr val="lt1"/>
+    </dgm:linClrLst>
+    <dgm:effectClrLst/>
+    <dgm:txLinClrLst/>
+    <dgm:txFillClrLst/>
+    <dgm:txEffectClrLst/>
+  </dgm:styleLbl>
+  <dgm:styleLbl name="asst2">
+    <dgm:fillClrLst meth="repeat">
+      <a:schemeClr val="accent1"/>
+    </dgm:fillClrLst>
+    <dgm:linClrLst meth="repeat">
+      <a:schemeClr val="lt1"/>
+    </dgm:linClrLst>
+    <dgm:effectClrLst/>
+    <dgm:txLinClrLst/>
+    <dgm:txFillClrLst/>
+    <dgm:txEffectClrLst/>
+  </dgm:styleLbl>
+  <dgm:styleLbl name="asst3">
+    <dgm:fillClrLst meth="repeat">
+      <a:schemeClr val="accent1"/>
+    </dgm:fillClrLst>
+    <dgm:linClrLst meth="repeat">
+      <a:schemeClr val="lt1"/>
+    </dgm:linClrLst>
+    <dgm:effectClrLst/>
+    <dgm:txLinClrLst/>
+    <dgm:txFillClrLst/>
+    <dgm:txEffectClrLst/>
+  </dgm:styleLbl>
+  <dgm:styleLbl name="asst4">
+    <dgm:fillClrLst meth="repeat">
+      <a:schemeClr val="accent1"/>
+    </dgm:fillClrLst>
+    <dgm:linClrLst meth="repeat">
+      <a:schemeClr val="lt1"/>
+    </dgm:linClrLst>
+    <dgm:effectClrLst/>
+    <dgm:txLinClrLst/>
+    <dgm:txFillClrLst/>
+    <dgm:txEffectClrLst/>
+  </dgm:styleLbl>
+  <dgm:styleLbl name="parChTrans2D1">
+    <dgm:fillClrLst meth="repeat">
+      <a:schemeClr val="accent1">
+        <a:tint val="60000"/>
+      </a:schemeClr>
+    </dgm:fillClrLst>
+    <dgm:linClrLst meth="repeat">
+      <a:schemeClr val="accent1">
+        <a:tint val="60000"/>
+      </a:schemeClr>
+    </dgm:linClrLst>
+    <dgm:effectClrLst/>
+    <dgm:txLinClrLst/>
+    <dgm:txFillClrLst meth="repeat">
+      <a:schemeClr val="lt1"/>
+    </dgm:txFillClrLst>
+    <dgm:txEffectClrLst/>
+  </dgm:styleLbl>
+  <dgm:styleLbl name="parChTrans2D2">
+    <dgm:fillClrLst meth="repeat">
+      <a:schemeClr val="accent1"/>
+    </dgm:fillClrLst>
+    <dgm:linClrLst meth="repeat">
+      <a:schemeClr val="accent1"/>
+    </dgm:linClrLst>
+    <dgm:effectClrLst/>
+    <dgm:txLinClrLst/>
+    <dgm:txFillClrLst meth="repeat">
+      <a:schemeClr val="lt1"/>
+    </dgm:txFillClrLst>
+    <dgm:txEffectClrLst/>
+  </dgm:styleLbl>
+  <dgm:styleLbl name="parChTrans2D3">
+    <dgm:fillClrLst meth="repeat">
+      <a:schemeClr val="accent1"/>
+    </dgm:fillClrLst>
+    <dgm:linClrLst meth="repeat">
+      <a:schemeClr val="accent1"/>
+    </dgm:linClrLst>
+    <dgm:effectClrLst/>
+    <dgm:txLinClrLst/>
+    <dgm:txFillClrLst meth="repeat">
+      <a:schemeClr val="lt1"/>
+    </dgm:txFillClrLst>
+    <dgm:txEffectClrLst/>
+  </dgm:styleLbl>
+  <dgm:styleLbl name="parChTrans2D4">
+    <dgm:fillClrLst meth="repeat">
+      <a:schemeClr val="accent1"/>
+    </dgm:fillClrLst>
+    <dgm:linClrLst meth="repeat">
+      <a:schemeClr val="accent1"/>
+    </dgm:linClrLst>
+    <dgm:effectClrLst/>
+    <dgm:txLinClrLst/>
+    <dgm:txFillClrLst meth="repeat">
+      <a:schemeClr val="lt1"/>
+    </dgm:txFillClrLst>
+    <dgm:txEffectClrLst/>
+  </dgm:styleLbl>
+  <dgm:styleLbl name="parChTrans1D1">
+    <dgm:fillClrLst meth="repeat">
+      <a:schemeClr val="accent1"/>
+    </dgm:fillClrLst>
+    <dgm:linClrLst meth="repeat">
+      <a:schemeClr val="accent1">
+        <a:shade val="60000"/>
+      </a:schemeClr>
+    </dgm:linClrLst>
+    <dgm:effectClrLst/>
+    <dgm:txLinClrLst/>
+    <dgm:txFillClrLst meth="repeat">
+      <a:schemeClr val="tx1"/>
+    </dgm:txFillClrLst>
+    <dgm:txEffectClrLst/>
+  </dgm:styleLbl>
+  <dgm:styleLbl name="parChTrans1D2">
+    <dgm:fillClrLst meth="repeat">
+      <a:schemeClr val="accent1"/>
+    </dgm:fillClrLst>
+    <dgm:linClrLst meth="repeat">
+      <a:schemeClr val="accent1">
+        <a:shade val="60000"/>
+      </a:schemeClr>
+    </dgm:linClrLst>
+    <dgm:effectClrLst/>
+    <dgm:txLinClrLst/>
+    <dgm:txFillClrLst meth="repeat">
+      <a:schemeClr val="tx1"/>
+    </dgm:txFillClrLst>
+    <dgm:txEffectClrLst/>
+  </dgm:styleLbl>
+  <dgm:styleLbl name="parChTrans1D3">
+    <dgm:fillClrLst meth="repeat">
+      <a:schemeClr val="accent1"/>
+    </dgm:fillClrLst>
+    <dgm:linClrLst meth="repeat">
+      <a:schemeClr val="accent1">
+        <a:shade val="80000"/>
+      </a:schemeClr>
+    </dgm:linClrLst>
+    <dgm:effectClrLst/>
+    <dgm:txLinClrLst/>
+    <dgm:txFillClrLst meth="repeat">
+      <a:schemeClr val="tx1"/>
+    </dgm:txFillClrLst>
+    <dgm:txEffectClrLst/>
+  </dgm:styleLbl>
+  <dgm:styleLbl name="parChTrans1D4">
+    <dgm:fillClrLst meth="repeat">
+      <a:schemeClr val="accent1"/>
+    </dgm:fillClrLst>
+    <dgm:linClrLst meth="repeat">
+      <a:schemeClr val="accent1">
+        <a:shade val="80000"/>
+      </a:schemeClr>
+    </dgm:linClrLst>
+    <dgm:effectClrLst/>
+    <dgm:txLinClrLst/>
+    <dgm:txFillClrLst meth="repeat">
+      <a:schemeClr val="tx1"/>
+    </dgm:txFillClrLst>
+    <dgm:txEffectClrLst/>
+  </dgm:styleLbl>
+  <dgm:styleLbl name="fgAcc1">
+    <dgm:fillClrLst meth="repeat">
+      <a:schemeClr val="lt1">
+        <a:alpha val="90000"/>
+      </a:schemeClr>
+    </dgm:fillClrLst>
+    <dgm:linClrLst meth="repeat">
+      <a:schemeClr val="accent1"/>
+    </dgm:linClrLst>
+    <dgm:effectClrLst/>
+    <dgm:txLinClrLst/>
+    <dgm:txFillClrLst meth="repeat">
+      <a:schemeClr val="dk1"/>
+    </dgm:txFillClrLst>
+    <dgm:txEffectClrLst/>
+  </dgm:styleLbl>
+  <dgm:styleLbl name="conFgAcc1">
+    <dgm:fillClrLst meth="repeat">
+      <a:schemeClr val="lt1">
+        <a:alpha val="90000"/>
+      </a:schemeClr>
+    </dgm:fillClrLst>
+    <dgm:linClrLst meth="repeat">
+      <a:schemeClr val="accent1"/>
+    </dgm:linClrLst>
+    <dgm:effectClrLst/>
+    <dgm:txLinClrLst/>
+    <dgm:txFillClrLst meth="repeat">
+      <a:schemeClr val="dk1"/>
+    </dgm:txFillClrLst>
+    <dgm:txEffectClrLst/>
+  </dgm:styleLbl>
+  <dgm:styleLbl name="alignAcc1">
+    <dgm:fillClrLst meth="repeat">
+      <a:schemeClr val="lt1">
+        <a:alpha val="90000"/>
+      </a:schemeClr>
+    </dgm:fillClrLst>
+    <dgm:linClrLst meth="repeat">
+      <a:schemeClr val="accent1"/>
+    </dgm:linClrLst>
+    <dgm:effectClrLst/>
+    <dgm:txLinClrLst/>
+    <dgm:txFillClrLst meth="repeat">
+      <a:schemeClr val="dk1"/>
+    </dgm:txFillClrLst>
+    <dgm:txEffectClrLst/>
+  </dgm:styleLbl>
+  <dgm:styleLbl name="trAlignAcc1">
+    <dgm:fillClrLst meth="repeat">
+      <a:schemeClr val="lt1">
+        <a:alpha val="40000"/>
+      </a:schemeClr>
+    </dgm:fillClrLst>
+    <dgm:linClrLst meth="repeat">
+      <a:schemeClr val="accent1"/>
+    </dgm:linClrLst>
+    <dgm:effectClrLst/>
+    <dgm:txLinClrLst/>
+    <dgm:txFillClrLst meth="repeat">
+      <a:schemeClr val="dk1"/>
+    </dgm:txFillClrLst>
+    <dgm:txEffectClrLst/>
+  </dgm:styleLbl>
+  <dgm:styleLbl name="bgAcc1">
+    <dgm:fillClrLst meth="repeat">
+      <a:schemeClr val="lt1">
+        <a:alpha val="90000"/>
+      </a:schemeClr>
+    </dgm:fillClrLst>
+    <dgm:linClrLst meth="repeat">
+      <a:schemeClr val="accent1"/>
+    </dgm:linClrLst>
+    <dgm:effectClrLst/>
+    <dgm:txLinClrLst/>
+    <dgm:txFillClrLst meth="repeat">
+      <a:schemeClr val="dk1"/>
+    </dgm:txFillClrLst>
+    <dgm:txEffectClrLst/>
+  </dgm:styleLbl>
+  <dgm:styleLbl name="solidFgAcc1">
+    <dgm:fillClrLst meth="repeat">
+      <a:schemeClr val="lt1"/>
+    </dgm:fillClrLst>
+    <dgm:linClrLst meth="repeat">
+      <a:schemeClr val="accent1"/>
+    </dgm:linClrLst>
+    <dgm:effectClrLst/>
+    <dgm:txLinClrLst/>
+    <dgm:txFillClrLst meth="repeat">
+      <a:schemeClr val="dk1"/>
+    </dgm:txFillClrLst>
+    <dgm:txEffectClrLst/>
+  </dgm:styleLbl>
+  <dgm:styleLbl name="solidAlignAcc1">
+    <dgm:fillClrLst meth="repeat">
+      <a:schemeClr val="lt1"/>
+    </dgm:fillClrLst>
+    <dgm:linClrLst meth="repeat">
+      <a:schemeClr val="accent1"/>
+    </dgm:linClrLst>
+    <dgm:effectClrLst/>
+    <dgm:txLinClrLst/>
+    <dgm:txFillClrLst meth="repeat">
+      <a:schemeClr val="dk1"/>
+    </dgm:txFillClrLst>
+    <dgm:txEffectClrLst/>
+  </dgm:styleLbl>
+  <dgm:styleLbl name="solidBgAcc1">
+    <dgm:fillClrLst meth="repeat">
+      <a:schemeClr val="lt1"/>
+    </dgm:fillClrLst>
+    <dgm:linClrLst meth="repeat">
+      <a:schemeClr val="accent1"/>
+    </dgm:linClrLst>
+    <dgm:effectClrLst/>
+    <dgm:txLinClrLst/>
+    <dgm:txFillClrLst meth="repeat">
+      <a:schemeClr val="dk1"/>
+    </dgm:txFillClrLst>
+    <dgm:txEffectClrLst/>
+  </dgm:styleLbl>
+  <dgm:styleLbl name="fgAccFollowNode1">
+    <dgm:fillClrLst meth="repeat">
+      <a:schemeClr val="accent1">
+        <a:alpha val="90000"/>
+        <a:tint val="40000"/>
+      </a:schemeClr>
+    </dgm:fillClrLst>
+    <dgm:linClrLst meth="repeat">
+      <a:schemeClr val="accent1">
+        <a:alpha val="90000"/>
+        <a:tint val="40000"/>
+      </a:schemeClr>
+    </dgm:linClrLst>
+    <dgm:effectClrLst/>
+    <dgm:txLinClrLst/>
+    <dgm:txFillClrLst meth="repeat">
+      <a:schemeClr val="dk1"/>
+    </dgm:txFillClrLst>
+    <dgm:txEffectClrLst/>
+  </dgm:styleLbl>
+  <dgm:styleLbl name="alignAccFollowNode1">
+    <dgm:fillClrLst meth="repeat">
+      <a:schemeClr val="accent1">
+        <a:alpha val="90000"/>
+        <a:tint val="40000"/>
+      </a:schemeClr>
+    </dgm:fillClrLst>
+    <dgm:linClrLst meth="repeat">
+      <a:schemeClr val="accent1">
+        <a:alpha val="90000"/>
+        <a:tint val="40000"/>
+      </a:schemeClr>
+    </dgm:linClrLst>
+    <dgm:effectClrLst/>
+    <dgm:txLinClrLst/>
+    <dgm:txFillClrLst meth="repeat">
+      <a:schemeClr val="dk1"/>
+    </dgm:txFillClrLst>
+    <dgm:txEffectClrLst/>
+  </dgm:styleLbl>
+  <dgm:styleLbl name="bgAccFollowNode1">
+    <dgm:fillClrLst meth="repeat">
+      <a:schemeClr val="accent1">
+        <a:alpha val="90000"/>
+        <a:tint val="40000"/>
+      </a:schemeClr>
+    </dgm:fillClrLst>
+    <dgm:linClrLst meth="repeat">
+      <a:schemeClr val="accent1">
+        <a:alpha val="90000"/>
+        <a:tint val="40000"/>
+      </a:schemeClr>
+    </dgm:linClrLst>
+    <dgm:effectClrLst/>
+    <dgm:txLinClrLst/>
+    <dgm:txFillClrLst meth="repeat">
+      <a:schemeClr val="dk1"/>
+    </dgm:txFillClrLst>
+    <dgm:txEffectClrLst/>
+  </dgm:styleLbl>
+  <dgm:styleLbl name="fgAcc0">
+    <dgm:fillClrLst meth="repeat">
+      <a:schemeClr val="lt1">
+        <a:alpha val="90000"/>
+      </a:schemeClr>
+    </dgm:fillClrLst>
+    <dgm:linClrLst meth="repeat">
+      <a:schemeClr val="accent1"/>
+    </dgm:linClrLst>
+    <dgm:effectClrLst/>
+    <dgm:txLinClrLst/>
+    <dgm:txFillClrLst meth="repeat">
+      <a:schemeClr val="dk1"/>
+    </dgm:txFillClrLst>
+    <dgm:txEffectClrLst/>
+  </dgm:styleLbl>
+  <dgm:styleLbl name="fgAcc2">
+    <dgm:fillClrLst meth="repeat">
+      <a:schemeClr val="lt1">
+        <a:alpha val="90000"/>
+      </a:schemeClr>
+    </dgm:fillClrLst>
+    <dgm:linClrLst meth="repeat">
+      <a:schemeClr val="accent1"/>
+    </dgm:linClrLst>
+    <dgm:effectClrLst/>
+    <dgm:txLinClrLst/>
+    <dgm:txFillClrLst meth="repeat">
+      <a:schemeClr val="dk1"/>
+    </dgm:txFillClrLst>
+    <dgm:txEffectClrLst/>
+  </dgm:styleLbl>
+  <dgm:styleLbl name="fgAcc3">
+    <dgm:fillClrLst meth="repeat">
+      <a:schemeClr val="lt1">
+        <a:alpha val="90000"/>
+      </a:schemeClr>
+    </dgm:fillClrLst>
+    <dgm:linClrLst meth="repeat">
+      <a:schemeClr val="accent1"/>
+    </dgm:linClrLst>
+    <dgm:effectClrLst/>
+    <dgm:txLinClrLst/>
+    <dgm:txFillClrLst meth="repeat">
+      <a:schemeClr val="dk1"/>
+    </dgm:txFillClrLst>
+    <dgm:txEffectClrLst/>
+  </dgm:styleLbl>
+  <dgm:styleLbl name="fgAcc4">
+    <dgm:fillClrLst meth="repeat">
+      <a:schemeClr val="lt1">
+        <a:alpha val="90000"/>
+      </a:schemeClr>
+    </dgm:fillClrLst>
+    <dgm:linClrLst meth="repeat">
+      <a:schemeClr val="accent1"/>
+    </dgm:linClrLst>
+    <dgm:effectClrLst/>
+    <dgm:txLinClrLst/>
+    <dgm:txFillClrLst meth="repeat">
+      <a:schemeClr val="dk1"/>
+    </dgm:txFillClrLst>
+    <dgm:txEffectClrLst/>
+  </dgm:styleLbl>
+  <dgm:styleLbl name="bgShp">
+    <dgm:fillClrLst meth="repeat">
+      <a:schemeClr val="accent1">
+        <a:tint val="40000"/>
+      </a:schemeClr>
+    </dgm:fillClrLst>
+    <dgm:linClrLst meth="repeat">
+      <a:schemeClr val="accent1"/>
+    </dgm:linClrLst>
+    <dgm:effectClrLst/>
+    <dgm:txLinClrLst/>
+    <dgm:txFillClrLst meth="repeat">
+      <a:schemeClr val="dk1"/>
+    </dgm:txFillClrLst>
+    <dgm:txEffectClrLst/>
+  </dgm:styleLbl>
+  <dgm:styleLbl name="dkBgShp">
+    <dgm:fillClrLst meth="repeat">
+      <a:schemeClr val="accent1">
+        <a:shade val="80000"/>
+      </a:schemeClr>
+    </dgm:fillClrLst>
+    <dgm:linClrLst meth="repeat">
+      <a:schemeClr val="accent1"/>
+    </dgm:linClrLst>
+    <dgm:effectClrLst/>
+    <dgm:txLinClrLst/>
+    <dgm:txFillClrLst meth="repeat">
+      <a:schemeClr val="lt1"/>
+    </dgm:txFillClrLst>
+    <dgm:txEffectClrLst/>
+  </dgm:styleLbl>
+  <dgm:styleLbl name="trBgShp">
+    <dgm:fillClrLst meth="repeat">
+      <a:schemeClr val="accent1">
+        <a:tint val="50000"/>
+        <a:alpha val="40000"/>
+      </a:schemeClr>
+    </dgm:fillClrLst>
+    <dgm:linClrLst meth="repeat">
+      <a:schemeClr val="accent1"/>
+    </dgm:linClrLst>
+    <dgm:effectClrLst/>
+    <dgm:txLinClrLst/>
+    <dgm:txFillClrLst meth="repeat">
+      <a:schemeClr val="lt1"/>
+    </dgm:txFillClrLst>
+    <dgm:txEffectClrLst/>
+  </dgm:styleLbl>
+  <dgm:styleLbl name="fgShp">
+    <dgm:fillClrLst meth="repeat">
+      <a:schemeClr val="accent1">
+        <a:tint val="60000"/>
+      </a:schemeClr>
+    </dgm:fillClrLst>
+    <dgm:linClrLst meth="repeat">
+      <a:schemeClr val="lt1"/>
+    </dgm:linClrLst>
+    <dgm:effectClrLst/>
+    <dgm:txLinClrLst/>
+    <dgm:txFillClrLst meth="repeat">
+      <a:schemeClr val="dk1"/>
+    </dgm:txFillClrLst>
+    <dgm:txEffectClrLst/>
+  </dgm:styleLbl>
+  <dgm:styleLbl name="revTx">
+    <dgm:fillClrLst meth="repeat">
+      <a:schemeClr val="lt1">
+        <a:alpha val="0"/>
+      </a:schemeClr>
+    </dgm:fillClrLst>
+    <dgm:linClrLst meth="repeat">
+      <a:schemeClr val="dk1">
+        <a:alpha val="0"/>
+      </a:schemeClr>
+    </dgm:linClrLst>
+    <dgm:effectClrLst/>
+    <dgm:txLinClrLst/>
+    <dgm:txFillClrLst meth="repeat">
+      <a:schemeClr val="tx1"/>
+    </dgm:txFillClrLst>
+    <dgm:txEffectClrLst/>
+  </dgm:styleLbl>
+</dgm:colorsDef>
+</file>
+
+<file path=ppt/diagrams/data1.xml><?xml version="1.0" encoding="utf-8"?>
+<dgm:dataModel xmlns:dgm="http://schemas.openxmlformats.org/drawingml/2006/diagram" xmlns:a="http://schemas.openxmlformats.org/drawingml/2006/main">
+  <dgm:ptLst>
+    <dgm:pt modelId="{44669BA5-5204-48DD-B892-0CD6D5412989}" type="doc">
+      <dgm:prSet loTypeId="urn:microsoft.com/office/officeart/2018/2/layout/IconLabelList" loCatId="icon" qsTypeId="urn:microsoft.com/office/officeart/2005/8/quickstyle/simple1" qsCatId="simple" csTypeId="urn:microsoft.com/office/officeart/2005/8/colors/accent1_2" csCatId="accent1" phldr="1"/>
+      <dgm:spPr/>
+      <dgm:t>
+        <a:bodyPr/>
+        <a:lstStyle/>
+        <a:p>
+          <a:endParaRPr lang="en-US"/>
+        </a:p>
+      </dgm:t>
+    </dgm:pt>
+    <dgm:pt modelId="{F339B278-FCFD-4F27-B57A-8A276B317017}">
+      <dgm:prSet/>
+      <dgm:spPr/>
+      <dgm:t>
+        <a:bodyPr/>
+        <a:lstStyle/>
+        <a:p>
+          <a:pPr>
+            <a:lnSpc>
+              <a:spcPct val="100000"/>
+            </a:lnSpc>
+          </a:pPr>
+          <a:r>
+            <a:rPr lang="en-US"/>
+            <a:t>Art</a:t>
+          </a:r>
+        </a:p>
+      </dgm:t>
+    </dgm:pt>
+    <dgm:pt modelId="{36649A0D-87A3-447E-B2FE-88AB4FAF04A9}" type="parTrans" cxnId="{C4F95C17-9FB4-4E5B-A99C-2318153B97FA}">
+      <dgm:prSet/>
+      <dgm:spPr/>
+      <dgm:t>
+        <a:bodyPr/>
+        <a:lstStyle/>
+        <a:p>
+          <a:endParaRPr lang="en-US"/>
+        </a:p>
+      </dgm:t>
+    </dgm:pt>
+    <dgm:pt modelId="{DF950BAF-03C2-457D-BAC7-FE924746EE59}" type="sibTrans" cxnId="{C4F95C17-9FB4-4E5B-A99C-2318153B97FA}">
+      <dgm:prSet/>
+      <dgm:spPr/>
+      <dgm:t>
+        <a:bodyPr/>
+        <a:lstStyle/>
+        <a:p>
+          <a:endParaRPr lang="en-US"/>
+        </a:p>
+      </dgm:t>
+    </dgm:pt>
+    <dgm:pt modelId="{378140B9-9AC0-41EC-BC44-A4E3C9899AE9}">
+      <dgm:prSet/>
+      <dgm:spPr/>
+      <dgm:t>
+        <a:bodyPr/>
+        <a:lstStyle/>
+        <a:p>
+          <a:pPr>
+            <a:lnSpc>
+              <a:spcPct val="100000"/>
+            </a:lnSpc>
+          </a:pPr>
+          <a:r>
+            <a:rPr lang="en-US"/>
+            <a:t>Design</a:t>
+          </a:r>
+        </a:p>
+      </dgm:t>
+    </dgm:pt>
+    <dgm:pt modelId="{55AA81D8-9ABC-46C8-A7D3-0FF85D01FDA6}" type="parTrans" cxnId="{70488930-F173-480D-84EF-D037844EE0CD}">
+      <dgm:prSet/>
+      <dgm:spPr/>
+      <dgm:t>
+        <a:bodyPr/>
+        <a:lstStyle/>
+        <a:p>
+          <a:endParaRPr lang="en-US"/>
+        </a:p>
+      </dgm:t>
+    </dgm:pt>
+    <dgm:pt modelId="{2278678E-5AE0-4F28-8958-CC8ABF7D5BD1}" type="sibTrans" cxnId="{70488930-F173-480D-84EF-D037844EE0CD}">
+      <dgm:prSet/>
+      <dgm:spPr/>
+      <dgm:t>
+        <a:bodyPr/>
+        <a:lstStyle/>
+        <a:p>
+          <a:endParaRPr lang="en-US"/>
+        </a:p>
+      </dgm:t>
+    </dgm:pt>
+    <dgm:pt modelId="{E5835CB4-0395-44E2-92C6-4DC594BB65FD}">
+      <dgm:prSet/>
+      <dgm:spPr/>
+      <dgm:t>
+        <a:bodyPr/>
+        <a:lstStyle/>
+        <a:p>
+          <a:pPr>
+            <a:lnSpc>
+              <a:spcPct val="100000"/>
+            </a:lnSpc>
+          </a:pPr>
+          <a:r>
+            <a:rPr lang="en-US"/>
+            <a:t>Arrangement</a:t>
+          </a:r>
+        </a:p>
+      </dgm:t>
+    </dgm:pt>
+    <dgm:pt modelId="{1FC2117E-F73E-4935-88C2-6413A167B318}" type="parTrans" cxnId="{A1E132AC-2048-4183-9F78-DD3539BCCA34}">
+      <dgm:prSet/>
+      <dgm:spPr/>
+      <dgm:t>
+        <a:bodyPr/>
+        <a:lstStyle/>
+        <a:p>
+          <a:endParaRPr lang="en-US"/>
+        </a:p>
+      </dgm:t>
+    </dgm:pt>
+    <dgm:pt modelId="{BE245C6A-E9C9-4EB5-8DFC-03D297CF7765}" type="sibTrans" cxnId="{A1E132AC-2048-4183-9F78-DD3539BCCA34}">
+      <dgm:prSet/>
+      <dgm:spPr/>
+      <dgm:t>
+        <a:bodyPr/>
+        <a:lstStyle/>
+        <a:p>
+          <a:endParaRPr lang="en-US"/>
+        </a:p>
+      </dgm:t>
+    </dgm:pt>
+    <dgm:pt modelId="{3FFCC342-2F2F-41F1-AA60-9689FC0E7F4D}" type="pres">
+      <dgm:prSet presAssocID="{44669BA5-5204-48DD-B892-0CD6D5412989}" presName="root" presStyleCnt="0">
+        <dgm:presLayoutVars>
+          <dgm:dir/>
+          <dgm:resizeHandles val="exact"/>
+        </dgm:presLayoutVars>
+      </dgm:prSet>
+      <dgm:spPr/>
+    </dgm:pt>
+    <dgm:pt modelId="{A6547C04-2C47-4290-979E-C79428E380C6}" type="pres">
+      <dgm:prSet presAssocID="{F339B278-FCFD-4F27-B57A-8A276B317017}" presName="compNode" presStyleCnt="0"/>
+      <dgm:spPr/>
+    </dgm:pt>
+    <dgm:pt modelId="{32C09059-AF3B-412B-8219-38D05EC4CE3D}" type="pres">
+      <dgm:prSet presAssocID="{F339B278-FCFD-4F27-B57A-8A276B317017}" presName="iconRect" presStyleLbl="node1" presStyleIdx="0" presStyleCnt="3"/>
+      <dgm:spPr>
+        <a:blipFill>
+          <a:blip xmlns:r="http://schemas.openxmlformats.org/officeDocument/2006/relationships" r:embed="rId1">
+            <a:extLst>
+              <a:ext uri="{28A0092B-C50C-407E-A947-70E740481C1C}">
+                <a14:useLocalDpi xmlns:a14="http://schemas.microsoft.com/office/drawing/2010/main" val="0"/>
+              </a:ext>
+              <a:ext uri="{96DAC541-7B7A-43D3-8B79-37D633B846F1}">
+                <asvg:svgBlip xmlns:asvg="http://schemas.microsoft.com/office/drawing/2016/SVG/main" r:embed="rId2"/>
+              </a:ext>
+            </a:extLst>
+          </a:blip>
+          <a:stretch>
+            <a:fillRect/>
+          </a:stretch>
+        </a:blipFill>
+      </dgm:spPr>
+      <dgm:extLst>
+        <a:ext uri="{E40237B7-FDA0-4F09-8148-C483321AD2D9}">
+          <dgm14:cNvPr xmlns:dgm14="http://schemas.microsoft.com/office/drawing/2010/diagram" id="0" name="" descr="Staffelei"/>
+        </a:ext>
+      </dgm:extLst>
+    </dgm:pt>
+    <dgm:pt modelId="{1B995C4F-5B7B-4C3D-92E8-626F462BA472}" type="pres">
+      <dgm:prSet presAssocID="{F339B278-FCFD-4F27-B57A-8A276B317017}" presName="spaceRect" presStyleCnt="0"/>
+      <dgm:spPr/>
+    </dgm:pt>
+    <dgm:pt modelId="{34AFD163-61E1-4D21-B606-42A47993B33A}" type="pres">
+      <dgm:prSet presAssocID="{F339B278-FCFD-4F27-B57A-8A276B317017}" presName="textRect" presStyleLbl="revTx" presStyleIdx="0" presStyleCnt="3">
+        <dgm:presLayoutVars>
+          <dgm:chMax val="1"/>
+          <dgm:chPref val="1"/>
+        </dgm:presLayoutVars>
+      </dgm:prSet>
+      <dgm:spPr/>
+    </dgm:pt>
+    <dgm:pt modelId="{8E35CF52-2A85-414F-8356-1180F9238C4B}" type="pres">
+      <dgm:prSet presAssocID="{DF950BAF-03C2-457D-BAC7-FE924746EE59}" presName="sibTrans" presStyleCnt="0"/>
+      <dgm:spPr/>
+    </dgm:pt>
+    <dgm:pt modelId="{FEA6A84A-AFC2-4538-997B-785D3B39D23B}" type="pres">
+      <dgm:prSet presAssocID="{378140B9-9AC0-41EC-BC44-A4E3C9899AE9}" presName="compNode" presStyleCnt="0"/>
+      <dgm:spPr/>
+    </dgm:pt>
+    <dgm:pt modelId="{004AF3FF-0925-4BAF-BB5C-885924EB5E74}" type="pres">
+      <dgm:prSet presAssocID="{378140B9-9AC0-41EC-BC44-A4E3C9899AE9}" presName="iconRect" presStyleLbl="node1" presStyleIdx="1" presStyleCnt="3"/>
+      <dgm:spPr>
+        <a:blipFill>
+          <a:blip xmlns:r="http://schemas.openxmlformats.org/officeDocument/2006/relationships" r:embed="rId3">
+            <a:extLst>
+              <a:ext uri="{28A0092B-C50C-407E-A947-70E740481C1C}">
+                <a14:useLocalDpi xmlns:a14="http://schemas.microsoft.com/office/drawing/2010/main" val="0"/>
+              </a:ext>
+              <a:ext uri="{96DAC541-7B7A-43D3-8B79-37D633B846F1}">
+                <asvg:svgBlip xmlns:asvg="http://schemas.microsoft.com/office/drawing/2016/SVG/main" r:embed="rId4"/>
+              </a:ext>
+            </a:extLst>
+          </a:blip>
+          <a:stretch>
+            <a:fillRect/>
+          </a:stretch>
+        </a:blipFill>
+      </dgm:spPr>
+      <dgm:extLst>
+        <a:ext uri="{E40237B7-FDA0-4F09-8148-C483321AD2D9}">
+          <dgm14:cNvPr xmlns:dgm14="http://schemas.microsoft.com/office/drawing/2010/diagram" id="0" name="" descr="Lineal"/>
+        </a:ext>
+      </dgm:extLst>
+    </dgm:pt>
+    <dgm:pt modelId="{B12CA957-6812-4578-AFFE-163FA9B51032}" type="pres">
+      <dgm:prSet presAssocID="{378140B9-9AC0-41EC-BC44-A4E3C9899AE9}" presName="spaceRect" presStyleCnt="0"/>
+      <dgm:spPr/>
+    </dgm:pt>
+    <dgm:pt modelId="{9AC6B7F3-B96B-49CC-8C9C-CBA547828491}" type="pres">
+      <dgm:prSet presAssocID="{378140B9-9AC0-41EC-BC44-A4E3C9899AE9}" presName="textRect" presStyleLbl="revTx" presStyleIdx="1" presStyleCnt="3">
+        <dgm:presLayoutVars>
+          <dgm:chMax val="1"/>
+          <dgm:chPref val="1"/>
+        </dgm:presLayoutVars>
+      </dgm:prSet>
+      <dgm:spPr/>
+    </dgm:pt>
+    <dgm:pt modelId="{8B19F661-F872-4568-B1B9-D77399A672E6}" type="pres">
+      <dgm:prSet presAssocID="{2278678E-5AE0-4F28-8958-CC8ABF7D5BD1}" presName="sibTrans" presStyleCnt="0"/>
+      <dgm:spPr/>
+    </dgm:pt>
+    <dgm:pt modelId="{7F15A468-8486-4106-ACA9-267932AEF57F}" type="pres">
+      <dgm:prSet presAssocID="{E5835CB4-0395-44E2-92C6-4DC594BB65FD}" presName="compNode" presStyleCnt="0"/>
+      <dgm:spPr/>
+    </dgm:pt>
+    <dgm:pt modelId="{958E44C4-7E8C-4322-A907-2E116EE9BF90}" type="pres">
+      <dgm:prSet presAssocID="{E5835CB4-0395-44E2-92C6-4DC594BB65FD}" presName="iconRect" presStyleLbl="node1" presStyleIdx="2" presStyleCnt="3"/>
+      <dgm:spPr>
+        <a:blipFill>
+          <a:blip xmlns:r="http://schemas.openxmlformats.org/officeDocument/2006/relationships" r:embed="rId5">
+            <a:extLst>
+              <a:ext uri="{28A0092B-C50C-407E-A947-70E740481C1C}">
+                <a14:useLocalDpi xmlns:a14="http://schemas.microsoft.com/office/drawing/2010/main" val="0"/>
+              </a:ext>
+              <a:ext uri="{96DAC541-7B7A-43D3-8B79-37D633B846F1}">
+                <asvg:svgBlip xmlns:asvg="http://schemas.microsoft.com/office/drawing/2016/SVG/main" r:embed="rId6"/>
+              </a:ext>
+            </a:extLst>
+          </a:blip>
+          <a:stretch>
+            <a:fillRect/>
+          </a:stretch>
+        </a:blipFill>
+      </dgm:spPr>
+      <dgm:extLst>
+        <a:ext uri="{E40237B7-FDA0-4F09-8148-C483321AD2D9}">
+          <dgm14:cNvPr xmlns:dgm14="http://schemas.microsoft.com/office/drawing/2010/diagram" id="0" name="" descr="Circles with Lines"/>
+        </a:ext>
+      </dgm:extLst>
+    </dgm:pt>
+    <dgm:pt modelId="{2A4E357C-7465-404D-BCDF-C4596BCDDF80}" type="pres">
+      <dgm:prSet presAssocID="{E5835CB4-0395-44E2-92C6-4DC594BB65FD}" presName="spaceRect" presStyleCnt="0"/>
+      <dgm:spPr/>
+    </dgm:pt>
+    <dgm:pt modelId="{CA927531-D28E-4EA8-8AA7-8C4F5D4E7794}" type="pres">
+      <dgm:prSet presAssocID="{E5835CB4-0395-44E2-92C6-4DC594BB65FD}" presName="textRect" presStyleLbl="revTx" presStyleIdx="2" presStyleCnt="3">
+        <dgm:presLayoutVars>
+          <dgm:chMax val="1"/>
+          <dgm:chPref val="1"/>
+        </dgm:presLayoutVars>
+      </dgm:prSet>
+      <dgm:spPr/>
+    </dgm:pt>
+  </dgm:ptLst>
+  <dgm:cxnLst>
+    <dgm:cxn modelId="{C4F95C17-9FB4-4E5B-A99C-2318153B97FA}" srcId="{44669BA5-5204-48DD-B892-0CD6D5412989}" destId="{F339B278-FCFD-4F27-B57A-8A276B317017}" srcOrd="0" destOrd="0" parTransId="{36649A0D-87A3-447E-B2FE-88AB4FAF04A9}" sibTransId="{DF950BAF-03C2-457D-BAC7-FE924746EE59}"/>
+    <dgm:cxn modelId="{70488930-F173-480D-84EF-D037844EE0CD}" srcId="{44669BA5-5204-48DD-B892-0CD6D5412989}" destId="{378140B9-9AC0-41EC-BC44-A4E3C9899AE9}" srcOrd="1" destOrd="0" parTransId="{55AA81D8-9ABC-46C8-A7D3-0FF85D01FDA6}" sibTransId="{2278678E-5AE0-4F28-8958-CC8ABF7D5BD1}"/>
+    <dgm:cxn modelId="{279A4538-0BEA-4050-A206-9AB23EFE92AE}" type="presOf" srcId="{378140B9-9AC0-41EC-BC44-A4E3C9899AE9}" destId="{9AC6B7F3-B96B-49CC-8C9C-CBA547828491}" srcOrd="0" destOrd="0" presId="urn:microsoft.com/office/officeart/2018/2/layout/IconLabelList"/>
+    <dgm:cxn modelId="{0F530860-4BAB-4CFB-8C5E-61A4111BF7A9}" type="presOf" srcId="{E5835CB4-0395-44E2-92C6-4DC594BB65FD}" destId="{CA927531-D28E-4EA8-8AA7-8C4F5D4E7794}" srcOrd="0" destOrd="0" presId="urn:microsoft.com/office/officeart/2018/2/layout/IconLabelList"/>
+    <dgm:cxn modelId="{09573160-9BFF-4250-B267-961FD4EFAE23}" type="presOf" srcId="{F339B278-FCFD-4F27-B57A-8A276B317017}" destId="{34AFD163-61E1-4D21-B606-42A47993B33A}" srcOrd="0" destOrd="0" presId="urn:microsoft.com/office/officeart/2018/2/layout/IconLabelList"/>
+    <dgm:cxn modelId="{A1E132AC-2048-4183-9F78-DD3539BCCA34}" srcId="{44669BA5-5204-48DD-B892-0CD6D5412989}" destId="{E5835CB4-0395-44E2-92C6-4DC594BB65FD}" srcOrd="2" destOrd="0" parTransId="{1FC2117E-F73E-4935-88C2-6413A167B318}" sibTransId="{BE245C6A-E9C9-4EB5-8DFC-03D297CF7765}"/>
+    <dgm:cxn modelId="{B5356EFF-4750-4F4B-B95F-5DAC60AAED5F}" type="presOf" srcId="{44669BA5-5204-48DD-B892-0CD6D5412989}" destId="{3FFCC342-2F2F-41F1-AA60-9689FC0E7F4D}" srcOrd="0" destOrd="0" presId="urn:microsoft.com/office/officeart/2018/2/layout/IconLabelList"/>
+    <dgm:cxn modelId="{3BDB7390-8716-46B6-B65C-A0CE3D66A134}" type="presParOf" srcId="{3FFCC342-2F2F-41F1-AA60-9689FC0E7F4D}" destId="{A6547C04-2C47-4290-979E-C79428E380C6}" srcOrd="0" destOrd="0" presId="urn:microsoft.com/office/officeart/2018/2/layout/IconLabelList"/>
+    <dgm:cxn modelId="{3B58CE1D-BFB8-4FEA-A13D-B8F3C6DF40AF}" type="presParOf" srcId="{A6547C04-2C47-4290-979E-C79428E380C6}" destId="{32C09059-AF3B-412B-8219-38D05EC4CE3D}" srcOrd="0" destOrd="0" presId="urn:microsoft.com/office/officeart/2018/2/layout/IconLabelList"/>
+    <dgm:cxn modelId="{18939CDF-5536-4D3F-96B1-89FF975A863A}" type="presParOf" srcId="{A6547C04-2C47-4290-979E-C79428E380C6}" destId="{1B995C4F-5B7B-4C3D-92E8-626F462BA472}" srcOrd="1" destOrd="0" presId="urn:microsoft.com/office/officeart/2018/2/layout/IconLabelList"/>
+    <dgm:cxn modelId="{064A0AB5-063E-4AF5-B379-823ED8844E2B}" type="presParOf" srcId="{A6547C04-2C47-4290-979E-C79428E380C6}" destId="{34AFD163-61E1-4D21-B606-42A47993B33A}" srcOrd="2" destOrd="0" presId="urn:microsoft.com/office/officeart/2018/2/layout/IconLabelList"/>
+    <dgm:cxn modelId="{52402EB5-D7BC-49C1-9082-98ACBCD50EE7}" type="presParOf" srcId="{3FFCC342-2F2F-41F1-AA60-9689FC0E7F4D}" destId="{8E35CF52-2A85-414F-8356-1180F9238C4B}" srcOrd="1" destOrd="0" presId="urn:microsoft.com/office/officeart/2018/2/layout/IconLabelList"/>
+    <dgm:cxn modelId="{246C49DB-E3CB-4A41-A83B-1B5D29F36622}" type="presParOf" srcId="{3FFCC342-2F2F-41F1-AA60-9689FC0E7F4D}" destId="{FEA6A84A-AFC2-4538-997B-785D3B39D23B}" srcOrd="2" destOrd="0" presId="urn:microsoft.com/office/officeart/2018/2/layout/IconLabelList"/>
+    <dgm:cxn modelId="{743103E1-3A1B-4E04-80E5-454A008C4E18}" type="presParOf" srcId="{FEA6A84A-AFC2-4538-997B-785D3B39D23B}" destId="{004AF3FF-0925-4BAF-BB5C-885924EB5E74}" srcOrd="0" destOrd="0" presId="urn:microsoft.com/office/officeart/2018/2/layout/IconLabelList"/>
+    <dgm:cxn modelId="{5B1D7636-1A05-4856-8FB1-AC192CBD81B8}" type="presParOf" srcId="{FEA6A84A-AFC2-4538-997B-785D3B39D23B}" destId="{B12CA957-6812-4578-AFFE-163FA9B51032}" srcOrd="1" destOrd="0" presId="urn:microsoft.com/office/officeart/2018/2/layout/IconLabelList"/>
+    <dgm:cxn modelId="{D1056E2A-A607-4492-BA71-5841A52E019B}" type="presParOf" srcId="{FEA6A84A-AFC2-4538-997B-785D3B39D23B}" destId="{9AC6B7F3-B96B-49CC-8C9C-CBA547828491}" srcOrd="2" destOrd="0" presId="urn:microsoft.com/office/officeart/2018/2/layout/IconLabelList"/>
+    <dgm:cxn modelId="{73279657-82F9-42EA-AA48-37E55CC0425B}" type="presParOf" srcId="{3FFCC342-2F2F-41F1-AA60-9689FC0E7F4D}" destId="{8B19F661-F872-4568-B1B9-D77399A672E6}" srcOrd="3" destOrd="0" presId="urn:microsoft.com/office/officeart/2018/2/layout/IconLabelList"/>
+    <dgm:cxn modelId="{CCC25B23-AC66-464A-B484-CEDC4C3C925D}" type="presParOf" srcId="{3FFCC342-2F2F-41F1-AA60-9689FC0E7F4D}" destId="{7F15A468-8486-4106-ACA9-267932AEF57F}" srcOrd="4" destOrd="0" presId="urn:microsoft.com/office/officeart/2018/2/layout/IconLabelList"/>
+    <dgm:cxn modelId="{D8299720-5EFF-4AE7-A635-1F98F558052B}" type="presParOf" srcId="{7F15A468-8486-4106-ACA9-267932AEF57F}" destId="{958E44C4-7E8C-4322-A907-2E116EE9BF90}" srcOrd="0" destOrd="0" presId="urn:microsoft.com/office/officeart/2018/2/layout/IconLabelList"/>
+    <dgm:cxn modelId="{13C9B51B-24EB-4DE8-B521-341D4F2BAC74}" type="presParOf" srcId="{7F15A468-8486-4106-ACA9-267932AEF57F}" destId="{2A4E357C-7465-404D-BCDF-C4596BCDDF80}" srcOrd="1" destOrd="0" presId="urn:microsoft.com/office/officeart/2018/2/layout/IconLabelList"/>
+    <dgm:cxn modelId="{B6200B21-3EFD-4DF3-9519-A79F7E51CCED}" type="presParOf" srcId="{7F15A468-8486-4106-ACA9-267932AEF57F}" destId="{CA927531-D28E-4EA8-8AA7-8C4F5D4E7794}" srcOrd="2" destOrd="0" presId="urn:microsoft.com/office/officeart/2018/2/layout/IconLabelList"/>
+  </dgm:cxnLst>
+  <dgm:bg/>
+  <dgm:whole/>
+  <dgm:extLst>
+    <a:ext uri="http://schemas.microsoft.com/office/drawing/2008/diagram">
+      <dsp:dataModelExt xmlns:dsp="http://schemas.microsoft.com/office/drawing/2008/diagram" relId="rId6" minVer="http://schemas.openxmlformats.org/drawingml/2006/diagram"/>
+    </a:ext>
+  </dgm:extLst>
+</dgm:dataModel>
+</file>
+
+<file path=ppt/diagrams/drawing1.xml><?xml version="1.0" encoding="utf-8"?>
+<dsp:drawing xmlns:dgm="http://schemas.openxmlformats.org/drawingml/2006/diagram" xmlns:dsp="http://schemas.microsoft.com/office/drawing/2008/diagram" xmlns:a="http://schemas.openxmlformats.org/drawingml/2006/main">
+  <dsp:spTree>
+    <dsp:nvGrpSpPr>
+      <dsp:cNvPr id="0" name=""/>
+      <dsp:cNvGrpSpPr/>
+    </dsp:nvGrpSpPr>
+    <dsp:grpSpPr/>
+    <dsp:sp modelId="{32C09059-AF3B-412B-8219-38D05EC4CE3D}">
+      <dsp:nvSpPr>
+        <dsp:cNvPr id="0" name=""/>
+        <dsp:cNvSpPr/>
+      </dsp:nvSpPr>
+      <dsp:spPr>
+        <a:xfrm>
+          <a:off x="1212569" y="987197"/>
+          <a:ext cx="1300252" cy="1300252"/>
+        </a:xfrm>
+        <a:prstGeom prst="rect">
+          <a:avLst/>
+        </a:prstGeom>
+        <a:blipFill>
+          <a:blip xmlns:r="http://schemas.openxmlformats.org/officeDocument/2006/relationships" r:embed="rId1">
+            <a:extLst>
+              <a:ext uri="{28A0092B-C50C-407E-A947-70E740481C1C}">
+                <a14:useLocalDpi xmlns:a14="http://schemas.microsoft.com/office/drawing/2010/main" val="0"/>
+              </a:ext>
+              <a:ext uri="{96DAC541-7B7A-43D3-8B79-37D633B846F1}">
+                <asvg:svgBlip xmlns:asvg="http://schemas.microsoft.com/office/drawing/2016/SVG/main" r:embed="rId2"/>
+              </a:ext>
+            </a:extLst>
+          </a:blip>
+          <a:stretch>
+            <a:fillRect/>
+          </a:stretch>
+        </a:blipFill>
+        <a:ln w="12700" cap="flat" cmpd="sng" algn="ctr">
+          <a:solidFill>
+            <a:schemeClr val="lt1">
+              <a:hueOff val="0"/>
+              <a:satOff val="0"/>
+              <a:lumOff val="0"/>
+              <a:alphaOff val="0"/>
+            </a:schemeClr>
+          </a:solidFill>
+          <a:prstDash val="solid"/>
+          <a:miter lim="800000"/>
+        </a:ln>
+        <a:effectLst/>
+      </dsp:spPr>
+      <dsp:style>
+        <a:lnRef idx="2">
+          <a:scrgbClr r="0" g="0" b="0"/>
+        </a:lnRef>
+        <a:fillRef idx="1">
+          <a:scrgbClr r="0" g="0" b="0"/>
+        </a:fillRef>
+        <a:effectRef idx="0">
+          <a:scrgbClr r="0" g="0" b="0"/>
+        </a:effectRef>
+        <a:fontRef idx="minor">
+          <a:schemeClr val="lt1"/>
+        </a:fontRef>
+      </dsp:style>
+    </dsp:sp>
+    <dsp:sp modelId="{34AFD163-61E1-4D21-B606-42A47993B33A}">
+      <dsp:nvSpPr>
+        <dsp:cNvPr id="0" name=""/>
+        <dsp:cNvSpPr/>
+      </dsp:nvSpPr>
+      <dsp:spPr>
+        <a:xfrm>
+          <a:off x="417971" y="2644140"/>
+          <a:ext cx="2889450" cy="720000"/>
+        </a:xfrm>
+        <a:prstGeom prst="rect">
+          <a:avLst/>
+        </a:prstGeom>
+        <a:noFill/>
+        <a:ln>
+          <a:noFill/>
+        </a:ln>
+        <a:effectLst/>
+      </dsp:spPr>
+      <dsp:style>
+        <a:lnRef idx="0">
+          <a:scrgbClr r="0" g="0" b="0"/>
+        </a:lnRef>
+        <a:fillRef idx="0">
+          <a:scrgbClr r="0" g="0" b="0"/>
+        </a:fillRef>
+        <a:effectRef idx="0">
+          <a:scrgbClr r="0" g="0" b="0"/>
+        </a:effectRef>
+        <a:fontRef idx="minor"/>
+      </dsp:style>
+      <dsp:txBody>
+        <a:bodyPr spcFirstLastPara="0" vert="horz" wrap="square" lIns="0" tIns="0" rIns="0" bIns="0" numCol="1" spcCol="1270" anchor="t" anchorCtr="0">
+          <a:noAutofit/>
+        </a:bodyPr>
+        <a:lstStyle/>
+        <a:p>
+          <a:pPr marL="0" lvl="0" indent="0" algn="ctr" defTabSz="1600200">
+            <a:lnSpc>
+              <a:spcPct val="100000"/>
+            </a:lnSpc>
+            <a:spcBef>
+              <a:spcPct val="0"/>
+            </a:spcBef>
+            <a:spcAft>
+              <a:spcPct val="35000"/>
+            </a:spcAft>
+            <a:buNone/>
+          </a:pPr>
+          <a:r>
+            <a:rPr lang="en-US" sz="3600" kern="1200"/>
+            <a:t>Art</a:t>
+          </a:r>
+        </a:p>
+      </dsp:txBody>
+      <dsp:txXfrm>
+        <a:off x="417971" y="2644140"/>
+        <a:ext cx="2889450" cy="720000"/>
+      </dsp:txXfrm>
+    </dsp:sp>
+    <dsp:sp modelId="{004AF3FF-0925-4BAF-BB5C-885924EB5E74}">
+      <dsp:nvSpPr>
+        <dsp:cNvPr id="0" name=""/>
+        <dsp:cNvSpPr/>
+      </dsp:nvSpPr>
+      <dsp:spPr>
+        <a:xfrm>
+          <a:off x="4607673" y="987197"/>
+          <a:ext cx="1300252" cy="1300252"/>
+        </a:xfrm>
+        <a:prstGeom prst="rect">
+          <a:avLst/>
+        </a:prstGeom>
+        <a:blipFill>
+          <a:blip xmlns:r="http://schemas.openxmlformats.org/officeDocument/2006/relationships" r:embed="rId3">
+            <a:extLst>
+              <a:ext uri="{28A0092B-C50C-407E-A947-70E740481C1C}">
+                <a14:useLocalDpi xmlns:a14="http://schemas.microsoft.com/office/drawing/2010/main" val="0"/>
+              </a:ext>
+              <a:ext uri="{96DAC541-7B7A-43D3-8B79-37D633B846F1}">
+                <asvg:svgBlip xmlns:asvg="http://schemas.microsoft.com/office/drawing/2016/SVG/main" r:embed="rId4"/>
+              </a:ext>
+            </a:extLst>
+          </a:blip>
+          <a:stretch>
+            <a:fillRect/>
+          </a:stretch>
+        </a:blipFill>
+        <a:ln w="12700" cap="flat" cmpd="sng" algn="ctr">
+          <a:solidFill>
+            <a:schemeClr val="lt1">
+              <a:hueOff val="0"/>
+              <a:satOff val="0"/>
+              <a:lumOff val="0"/>
+              <a:alphaOff val="0"/>
+            </a:schemeClr>
+          </a:solidFill>
+          <a:prstDash val="solid"/>
+          <a:miter lim="800000"/>
+        </a:ln>
+        <a:effectLst/>
+      </dsp:spPr>
+      <dsp:style>
+        <a:lnRef idx="2">
+          <a:scrgbClr r="0" g="0" b="0"/>
+        </a:lnRef>
+        <a:fillRef idx="1">
+          <a:scrgbClr r="0" g="0" b="0"/>
+        </a:fillRef>
+        <a:effectRef idx="0">
+          <a:scrgbClr r="0" g="0" b="0"/>
+        </a:effectRef>
+        <a:fontRef idx="minor">
+          <a:schemeClr val="lt1"/>
+        </a:fontRef>
+      </dsp:style>
+    </dsp:sp>
+    <dsp:sp modelId="{9AC6B7F3-B96B-49CC-8C9C-CBA547828491}">
+      <dsp:nvSpPr>
+        <dsp:cNvPr id="0" name=""/>
+        <dsp:cNvSpPr/>
+      </dsp:nvSpPr>
+      <dsp:spPr>
+        <a:xfrm>
+          <a:off x="3813075" y="2644140"/>
+          <a:ext cx="2889450" cy="720000"/>
+        </a:xfrm>
+        <a:prstGeom prst="rect">
+          <a:avLst/>
+        </a:prstGeom>
+        <a:noFill/>
+        <a:ln>
+          <a:noFill/>
+        </a:ln>
+        <a:effectLst/>
+      </dsp:spPr>
+      <dsp:style>
+        <a:lnRef idx="0">
+          <a:scrgbClr r="0" g="0" b="0"/>
+        </a:lnRef>
+        <a:fillRef idx="0">
+          <a:scrgbClr r="0" g="0" b="0"/>
+        </a:fillRef>
+        <a:effectRef idx="0">
+          <a:scrgbClr r="0" g="0" b="0"/>
+        </a:effectRef>
+        <a:fontRef idx="minor"/>
+      </dsp:style>
+      <dsp:txBody>
+        <a:bodyPr spcFirstLastPara="0" vert="horz" wrap="square" lIns="0" tIns="0" rIns="0" bIns="0" numCol="1" spcCol="1270" anchor="t" anchorCtr="0">
+          <a:noAutofit/>
+        </a:bodyPr>
+        <a:lstStyle/>
+        <a:p>
+          <a:pPr marL="0" lvl="0" indent="0" algn="ctr" defTabSz="1600200">
+            <a:lnSpc>
+              <a:spcPct val="100000"/>
+            </a:lnSpc>
+            <a:spcBef>
+              <a:spcPct val="0"/>
+            </a:spcBef>
+            <a:spcAft>
+              <a:spcPct val="35000"/>
+            </a:spcAft>
+            <a:buNone/>
+          </a:pPr>
+          <a:r>
+            <a:rPr lang="en-US" sz="3600" kern="1200"/>
+            <a:t>Design</a:t>
+          </a:r>
+        </a:p>
+      </dsp:txBody>
+      <dsp:txXfrm>
+        <a:off x="3813075" y="2644140"/>
+        <a:ext cx="2889450" cy="720000"/>
+      </dsp:txXfrm>
+    </dsp:sp>
+    <dsp:sp modelId="{958E44C4-7E8C-4322-A907-2E116EE9BF90}">
+      <dsp:nvSpPr>
+        <dsp:cNvPr id="0" name=""/>
+        <dsp:cNvSpPr/>
+      </dsp:nvSpPr>
+      <dsp:spPr>
+        <a:xfrm>
+          <a:off x="8002777" y="987197"/>
+          <a:ext cx="1300252" cy="1300252"/>
+        </a:xfrm>
+        <a:prstGeom prst="rect">
+          <a:avLst/>
+        </a:prstGeom>
+        <a:blipFill>
+          <a:blip xmlns:r="http://schemas.openxmlformats.org/officeDocument/2006/relationships" r:embed="rId5">
+            <a:extLst>
+              <a:ext uri="{28A0092B-C50C-407E-A947-70E740481C1C}">
+                <a14:useLocalDpi xmlns:a14="http://schemas.microsoft.com/office/drawing/2010/main" val="0"/>
+              </a:ext>
+              <a:ext uri="{96DAC541-7B7A-43D3-8B79-37D633B846F1}">
+                <asvg:svgBlip xmlns:asvg="http://schemas.microsoft.com/office/drawing/2016/SVG/main" r:embed="rId6"/>
+              </a:ext>
+            </a:extLst>
+          </a:blip>
+          <a:stretch>
+            <a:fillRect/>
+          </a:stretch>
+        </a:blipFill>
+        <a:ln w="12700" cap="flat" cmpd="sng" algn="ctr">
+          <a:solidFill>
+            <a:schemeClr val="lt1">
+              <a:hueOff val="0"/>
+              <a:satOff val="0"/>
+              <a:lumOff val="0"/>
+              <a:alphaOff val="0"/>
+            </a:schemeClr>
+          </a:solidFill>
+          <a:prstDash val="solid"/>
+          <a:miter lim="800000"/>
+        </a:ln>
+        <a:effectLst/>
+      </dsp:spPr>
+      <dsp:style>
+        <a:lnRef idx="2">
+          <a:scrgbClr r="0" g="0" b="0"/>
+        </a:lnRef>
+        <a:fillRef idx="1">
+          <a:scrgbClr r="0" g="0" b="0"/>
+        </a:fillRef>
+        <a:effectRef idx="0">
+          <a:scrgbClr r="0" g="0" b="0"/>
+        </a:effectRef>
+        <a:fontRef idx="minor">
+          <a:schemeClr val="lt1"/>
+        </a:fontRef>
+      </dsp:style>
+    </dsp:sp>
+    <dsp:sp modelId="{CA927531-D28E-4EA8-8AA7-8C4F5D4E7794}">
+      <dsp:nvSpPr>
+        <dsp:cNvPr id="0" name=""/>
+        <dsp:cNvSpPr/>
+      </dsp:nvSpPr>
+      <dsp:spPr>
+        <a:xfrm>
+          <a:off x="7208178" y="2644140"/>
+          <a:ext cx="2889450" cy="720000"/>
+        </a:xfrm>
+        <a:prstGeom prst="rect">
+          <a:avLst/>
+        </a:prstGeom>
+        <a:noFill/>
+        <a:ln>
+          <a:noFill/>
+        </a:ln>
+        <a:effectLst/>
+      </dsp:spPr>
+      <dsp:style>
+        <a:lnRef idx="0">
+          <a:scrgbClr r="0" g="0" b="0"/>
+        </a:lnRef>
+        <a:fillRef idx="0">
+          <a:scrgbClr r="0" g="0" b="0"/>
+        </a:fillRef>
+        <a:effectRef idx="0">
+          <a:scrgbClr r="0" g="0" b="0"/>
+        </a:effectRef>
+        <a:fontRef idx="minor"/>
+      </dsp:style>
+      <dsp:txBody>
+        <a:bodyPr spcFirstLastPara="0" vert="horz" wrap="square" lIns="0" tIns="0" rIns="0" bIns="0" numCol="1" spcCol="1270" anchor="t" anchorCtr="0">
+          <a:noAutofit/>
+        </a:bodyPr>
+        <a:lstStyle/>
+        <a:p>
+          <a:pPr marL="0" lvl="0" indent="0" algn="ctr" defTabSz="1600200">
+            <a:lnSpc>
+              <a:spcPct val="100000"/>
+            </a:lnSpc>
+            <a:spcBef>
+              <a:spcPct val="0"/>
+            </a:spcBef>
+            <a:spcAft>
+              <a:spcPct val="35000"/>
+            </a:spcAft>
+            <a:buNone/>
+          </a:pPr>
+          <a:r>
+            <a:rPr lang="en-US" sz="3600" kern="1200"/>
+            <a:t>Arrangement</a:t>
+          </a:r>
+        </a:p>
+      </dsp:txBody>
+      <dsp:txXfrm>
+        <a:off x="7208178" y="2644140"/>
+        <a:ext cx="2889450" cy="720000"/>
+      </dsp:txXfrm>
+    </dsp:sp>
+  </dsp:spTree>
+</dsp:drawing>
+</file>
+
+<file path=ppt/diagrams/layout1.xml><?xml version="1.0" encoding="utf-8"?>
+<dgm:layoutDef xmlns:dgm="http://schemas.openxmlformats.org/drawingml/2006/diagram" xmlns:a="http://schemas.openxmlformats.org/drawingml/2006/main" uniqueId="urn:microsoft.com/office/officeart/2018/2/layout/IconLabelList">
+  <dgm:title val="Icon Label List"/>
+  <dgm:desc val="Use to show non-sequential or grouped chunks of information accompanied by a related visuals. Works best with icons or small pictures with short text captions."/>
+  <dgm:catLst>
+    <dgm:cat type="icon" pri="500"/>
+  </dgm:catLst>
+  <dgm:sampData useDef="1">
+    <dgm:dataModel>
+      <dgm:ptLst/>
+      <dgm:bg/>
+      <dgm:whole/>
+    </dgm:dataModel>
+  </dgm:sampData>
+  <dgm:styleData useDef="1">
+    <dgm:dataModel>
+      <dgm:ptLst/>
+      <dgm:bg/>
+      <dgm:whole/>
+    </dgm:dataModel>
+  </dgm:styleData>
+  <dgm:clrData useDef="1">
+    <dgm:dataModel>
+      <dgm:ptLst/>
+      <dgm:bg/>
+      <dgm:whole/>
+    </dgm:dataModel>
+  </dgm:clrData>
+  <dgm:layoutNode name="root">
+    <dgm:varLst>
+      <dgm:dir/>
+      <dgm:resizeHandles val="exact"/>
+    </dgm:varLst>
+    <dgm:choose name="Name0">
+      <dgm:if name="Name1" axis="self" func="var" arg="dir" op="equ" val="norm">
+        <dgm:alg type="snake">
+          <dgm:param type="grDir" val="tL"/>
+          <dgm:param type="flowDir" val="row"/>
+          <dgm:param type="contDir" val="sameDir"/>
+          <dgm:param type="off" val="ctr"/>
+          <dgm:param type="vertAlign" val="mid"/>
+          <dgm:param type="horzAlign" val="ctr"/>
+        </dgm:alg>
+      </dgm:if>
+      <dgm:else name="Name2">
+        <dgm:alg type="snake">
+          <dgm:param type="grDir" val="tR"/>
+          <dgm:param type="flowDir" val="row"/>
+          <dgm:param type="contDir" val="sameDir"/>
+          <dgm:param type="off" val="ctr"/>
+          <dgm:param type="vertAlign" val="mid"/>
+          <dgm:param type="horzAlign" val="ctr"/>
+        </dgm:alg>
+      </dgm:else>
+    </dgm:choose>
+    <dgm:shape xmlns:r="http://schemas.openxmlformats.org/officeDocument/2006/relationships" r:blip="">
+      <dgm:adjLst/>
+    </dgm:shape>
+    <dgm:presOf/>
+    <dgm:choose name="Name3">
+      <dgm:if name="Name4" axis="ch" ptType="node" func="cnt" op="lte" val="2">
+        <dgm:constrLst>
+          <dgm:constr type="h" for="ch" forName="compNode" refType="h" fact="0.4"/>
+          <dgm:constr type="w" for="ch" forName="compNode" val="120"/>
+          <dgm:constr type="w" for="ch" forName="sibTrans" refType="w" refFor="ch" refForName="compNode" fact="0.175"/>
+          <dgm:constr type="sp" refType="w" refFor="ch" refForName="compNode" op="equ" fact="0.25"/>
+          <dgm:constr type="primFontSz" for="des" ptType="node" op="equ" val="50"/>
+          <dgm:constr type="h" for="des" forName="compNode" op="equ"/>
+          <dgm:constr type="h" for="des" forName="textRect" op="equ"/>
+        </dgm:constrLst>
+      </dgm:if>
+      <dgm:if name="Name5" axis="ch" ptType="node" func="cnt" op="lte" val="4">
+        <dgm:constrLst>
+          <dgm:constr type="h" for="ch" forName="compNode" refType="h" fact="0.4"/>
+          <dgm:constr type="w" for="ch" forName="compNode" refType="w"/>
+          <dgm:constr type="w" for="ch" forName="sibTrans" refType="w" refFor="ch" refForName="compNode" fact="0.175"/>
+          <dgm:constr type="sp" refType="w" refFor="ch" refForName="compNode" op="equ" fact="0.25"/>
+          <dgm:constr type="primFontSz" for="des" ptType="node" op="equ" val="36"/>
+          <dgm:constr type="h" for="des" forName="compNode" op="equ"/>
+          <dgm:constr type="h" for="des" forName="textRect" op="equ"/>
+        </dgm:constrLst>
+      </dgm:if>
+      <dgm:else name="Name6">
+        <dgm:constrLst>
+          <dgm:constr type="h" for="ch" forName="compNode" refType="h" fact="0.4"/>
+          <dgm:constr type="w" for="ch" forName="compNode" refType="w"/>
+          <dgm:constr type="w" for="ch" forName="sibTrans" refType="w" refFor="ch" refForName="compNode" fact="0.175"/>
+          <dgm:constr type="sp" refType="w" refFor="ch" refForName="compNode" op="equ" fact="0.25"/>
+          <dgm:constr type="primFontSz" for="des" ptType="node" op="equ" val="24"/>
+          <dgm:constr type="h" for="des" forName="compNode" op="equ"/>
+          <dgm:constr type="h" for="des" forName="textRect" op="equ"/>
+        </dgm:constrLst>
+      </dgm:else>
+    </dgm:choose>
+    <dgm:ruleLst>
+      <dgm:rule type="w" for="ch" forName="compNode" val="50" fact="NaN" max="NaN"/>
+    </dgm:ruleLst>
+    <dgm:forEach name="Name7" axis="ch" ptType="node">
+      <dgm:layoutNode name="compNode">
+        <dgm:alg type="composite"/>
+        <dgm:shape xmlns:r="http://schemas.openxmlformats.org/officeDocument/2006/relationships" r:blip="">
+          <dgm:adjLst/>
+        </dgm:shape>
+        <dgm:presOf axis="self"/>
+        <dgm:constrLst>
+          <dgm:constr type="w" for="ch" forName="iconRect" refType="w" fact="0.45"/>
+          <dgm:constr type="h" for="ch" forName="iconRect" refType="w" refFor="ch" refForName="iconRect"/>
+          <dgm:constr type="ctrX" for="ch" forName="iconRect" refType="w" fact="0.5"/>
+          <dgm:constr type="t" for="ch" forName="iconRect"/>
+          <dgm:constr type="h" for="ch" forName="spaceRect" refType="h" fact="0.15"/>
+          <dgm:constr type="w" for="ch" forName="spaceRect" refType="w"/>
+          <dgm:constr type="l" for="ch" forName="spaceRect"/>
+          <dgm:constr type="t" for="ch" forName="spaceRect" refType="b" refFor="ch" refForName="iconRect"/>
+          <dgm:constr type="h" for="ch" forName="textRect" val="20"/>
+          <dgm:constr type="w" for="ch" forName="textRect" refType="w"/>
+          <dgm:constr type="l" for="ch" forName="textRect"/>
+          <dgm:constr type="t" for="ch" forName="textRect" refType="b" refFor="ch" refForName="spaceRect"/>
+        </dgm:constrLst>
+        <dgm:ruleLst>
+          <dgm:rule type="h" val="INF" fact="NaN" max="NaN"/>
+        </dgm:ruleLst>
+        <dgm:layoutNode name="iconRect" styleLbl="node1">
+          <dgm:alg type="sp"/>
+          <dgm:shape xmlns:r="http://schemas.openxmlformats.org/officeDocument/2006/relationships" type="rect" r:blip="" blipPhldr="1">
+            <dgm:adjLst/>
+          </dgm:shape>
+          <dgm:presOf/>
+          <dgm:constrLst/>
+          <dgm:ruleLst/>
+        </dgm:layoutNode>
+        <dgm:layoutNode name="spaceRect">
+          <dgm:alg type="sp"/>
+          <dgm:shape xmlns:r="http://schemas.openxmlformats.org/officeDocument/2006/relationships" r:blip="">
+            <dgm:adjLst/>
+          </dgm:shape>
+          <dgm:presOf/>
+          <dgm:constrLst/>
+          <dgm:ruleLst/>
+        </dgm:layoutNode>
+        <dgm:layoutNode name="textRect" styleLbl="revTx">
+          <dgm:varLst>
+            <dgm:chMax val="1"/>
+            <dgm:chPref val="1"/>
+          </dgm:varLst>
+          <dgm:alg type="tx">
+            <dgm:param type="txAnchorVert" val="t"/>
+          </dgm:alg>
+          <dgm:shape xmlns:r="http://schemas.openxmlformats.org/officeDocument/2006/relationships" type="rect" r:blip="">
+            <dgm:adjLst/>
+          </dgm:shape>
+          <dgm:presOf axis="self" ptType="node"/>
+          <dgm:constrLst>
+            <dgm:constr type="lMarg"/>
+            <dgm:constr type="rMarg"/>
+            <dgm:constr type="tMarg"/>
+            <dgm:constr type="bMarg"/>
+          </dgm:constrLst>
+          <dgm:ruleLst>
+            <dgm:rule type="primFontSz" val="11" fact="NaN" max="NaN"/>
+            <dgm:rule type="h" val="INF" fact="NaN" max="NaN"/>
+          </dgm:ruleLst>
+        </dgm:layoutNode>
+      </dgm:layoutNode>
+      <dgm:forEach name="Name8" axis="followSib" ptType="sibTrans" cnt="1">
+        <dgm:layoutNode name="sibTrans">
+          <dgm:alg type="sp"/>
+          <dgm:shape xmlns:r="http://schemas.openxmlformats.org/officeDocument/2006/relationships" r:blip="">
+            <dgm:adjLst/>
+          </dgm:shape>
+          <dgm:presOf axis="self"/>
+          <dgm:constrLst/>
+          <dgm:ruleLst/>
+        </dgm:layoutNode>
+      </dgm:forEach>
+    </dgm:forEach>
+  </dgm:layoutNode>
+  <dgm:extLst>
+    <a:ext uri="{68A01E43-0DF5-4B5B-8FA6-DAF915123BFB}">
+      <dgm1612:lstStyle xmlns:dgm1612="http://schemas.microsoft.com/office/drawing/2016/12/diagram">
+        <a:lvl1pPr>
+          <a:lnSpc>
+            <a:spcPct val="100000"/>
+          </a:lnSpc>
+        </a:lvl1pPr>
+      </dgm1612:lstStyle>
+    </a:ext>
+  </dgm:extLst>
+</dgm:layoutDef>
+</file>
+
+<file path=ppt/diagrams/quickStyle1.xml><?xml version="1.0" encoding="utf-8"?>
+<dgm:styleDef xmlns:dgm="http://schemas.openxmlformats.org/drawingml/2006/diagram" xmlns:a="http://schemas.openxmlformats.org/drawingml/2006/main" uniqueId="urn:microsoft.com/office/officeart/2005/8/quickstyle/simple1">
+  <dgm:title val=""/>
+  <dgm:desc val=""/>
+  <dgm:catLst>
+    <dgm:cat type="simple" pri="10100"/>
+  </dgm:catLst>
+  <dgm:scene3d>
+    <a:camera prst="orthographicFront"/>
+    <a:lightRig rig="threePt" dir="t"/>
+  </dgm:scene3d>
+  <dgm:styleLbl name="node0">
+    <dgm:scene3d>
+      <a:camera prst="orthographicFront"/>
+      <a:lightRig rig="threePt" dir="t"/>
+    </dgm:scene3d>
+    <dgm:sp3d/>
+    <dgm:txPr/>
+    <dgm:style>
+      <a:lnRef idx="2">
+        <a:scrgbClr r="0" g="0" b="0"/>
+      </a:lnRef>
+      <a:fillRef idx="1">
+        <a:scrgbClr r="0" g="0" b="0"/>
+      </a:fillRef>
+      <a:effectRef idx="0">
+        <a:scrgbClr r="0" g="0" b="0"/>
+      </a:effectRef>
+      <a:fontRef idx="minor">
+        <a:schemeClr val="lt1"/>
+      </a:fontRef>
+    </dgm:style>
+  </dgm:styleLbl>
+  <dgm:styleLbl name="lnNode1">
+    <dgm:scene3d>
+      <a:camera prst="orthographicFront"/>
+      <a:lightRig rig="threePt" dir="t"/>
+    </dgm:scene3d>
+    <dgm:sp3d/>
+    <dgm:txPr/>
+    <dgm:style>
+      <a:lnRef idx="2">
+        <a:scrgbClr r="0" g="0" b="0"/>
+      </a:lnRef>
+      <a:fillRef idx="1">
+        <a:scrgbClr r="0" g="0" b="0"/>
+      </a:fillRef>
+      <a:effectRef idx="0">
+        <a:scrgbClr r="0" g="0" b="0"/>
+      </a:effectRef>
+      <a:fontRef idx="minor">
+        <a:schemeClr val="lt1"/>
+      </a:fontRef>
+    </dgm:style>
+  </dgm:styleLbl>
+  <dgm:styleLbl name="vennNode1">
+    <dgm:scene3d>
+      <a:camera prst="orthographicFront"/>
+      <a:lightRig rig="threePt" dir="t"/>
+    </dgm:scene3d>
+    <dgm:sp3d/>
+    <dgm:txPr/>
+    <dgm:style>
+      <a:lnRef idx="2">
+        <a:scrgbClr r="0" g="0" b="0"/>
+      </a:lnRef>
+      <a:fillRef idx="1">
+        <a:scrgbClr r="0" g="0" b="0"/>
+      </a:fillRef>
+      <a:effectRef idx="0">
+        <a:scrgbClr r="0" g="0" b="0"/>
+      </a:effectRef>
+      <a:fontRef idx="minor">
+        <a:schemeClr val="tx1"/>
+      </a:fontRef>
+    </dgm:style>
+  </dgm:styleLbl>
+  <dgm:styleLbl name="alignNode1">
+    <dgm:scene3d>
+      <a:camera prst="orthographicFront"/>
+      <a:lightRig rig="threePt" dir="t"/>
+    </dgm:scene3d>
+    <dgm:sp3d/>
+    <dgm:txPr/>
+    <dgm:style>
+      <a:lnRef idx="2">
+        <a:scrgbClr r="0" g="0" b="0"/>
+      </a:lnRef>
+      <a:fillRef idx="1">
+        <a:scrgbClr r="0" g="0" b="0"/>
+      </a:fillRef>
+      <a:effectRef idx="0">
+        <a:scrgbClr r="0" g="0" b="0"/>
+      </a:effectRef>
+      <a:fontRef idx="minor">
+        <a:schemeClr val="lt1"/>
+      </a:fontRef>
+    </dgm:style>
+  </dgm:styleLbl>
+  <dgm:styleLbl name="node1">
+    <dgm:scene3d>
+      <a:camera prst="orthographicFront"/>
+      <a:lightRig rig="threePt" dir="t"/>
+    </dgm:scene3d>
+    <dgm:sp3d/>
+    <dgm:txPr/>
+    <dgm:style>
+      <a:lnRef idx="2">
+        <a:scrgbClr r="0" g="0" b="0"/>
+      </a:lnRef>
+      <a:fillRef idx="1">
+        <a:scrgbClr r="0" g="0" b="0"/>
+      </a:fillRef>
+      <a:effectRef idx="0">
+        <a:scrgbClr r="0" g="0" b="0"/>
+      </a:effectRef>
+      <a:fontRef idx="minor">
+        <a:schemeClr val="lt1"/>
+      </a:fontRef>
+    </dgm:style>
+  </dgm:styleLbl>
+  <dgm:styleLbl name="node2">
+    <dgm:scene3d>
+      <a:camera prst="orthographicFront"/>
+      <a:lightRig rig="threePt" dir="t"/>
+    </dgm:scene3d>
+    <dgm:sp3d/>
+    <dgm:txPr/>
+    <dgm:style>
+      <a:lnRef idx="2">
+        <a:scrgbClr r="0" g="0" b="0"/>
+      </a:lnRef>
+      <a:fillRef idx="1">
+        <a:scrgbClr r="0" g="0" b="0"/>
+      </a:fillRef>
+      <a:effectRef idx="0">
+        <a:scrgbClr r="0" g="0" b="0"/>
+      </a:effectRef>
+      <a:fontRef idx="minor">
+        <a:schemeClr val="lt1"/>
+      </a:fontRef>
+    </dgm:style>
+  </dgm:styleLbl>
+  <dgm:styleLbl name="node3">
+    <dgm:scene3d>
+      <a:camera prst="orthographicFront"/>
+      <a:lightRig rig="threePt" dir="t"/>
+    </dgm:scene3d>
+    <dgm:sp3d/>
+    <dgm:txPr/>
+    <dgm:style>
+      <a:lnRef idx="2">
+        <a:scrgbClr r="0" g="0" b="0"/>
+      </a:lnRef>
+      <a:fillRef idx="1">
+        <a:scrgbClr r="0" g="0" b="0"/>
+      </a:fillRef>
+      <a:effectRef idx="0">
+        <a:scrgbClr r="0" g="0" b="0"/>
+      </a:effectRef>
+      <a:fontRef idx="minor">
+        <a:schemeClr val="lt1"/>
+      </a:fontRef>
+    </dgm:style>
+  </dgm:styleLbl>
+  <dgm:styleLbl name="node4">
+    <dgm:scene3d>
+      <a:camera prst="orthographicFront"/>
+      <a:lightRig rig="threePt" dir="t"/>
+    </dgm:scene3d>
+    <dgm:sp3d/>
+    <dgm:txPr/>
+    <dgm:style>
+      <a:lnRef idx="2">
+        <a:scrgbClr r="0" g="0" b="0"/>
+      </a:lnRef>
+      <a:fillRef idx="1">
+        <a:scrgbClr r="0" g="0" b="0"/>
+      </a:fillRef>
+      <a:effectRef idx="0">
+        <a:scrgbClr r="0" g="0" b="0"/>
+      </a:effectRef>
+      <a:fontRef idx="minor">
+        <a:schemeClr val="lt1"/>
+      </a:fontRef>
+    </dgm:style>
+  </dgm:styleLbl>
+  <dgm:styleLbl name="fgImgPlace1">
+    <dgm:scene3d>
+      <a:camera prst="orthographicFront"/>
+      <a:lightRig rig="threePt" dir="t"/>
+    </dgm:scene3d>
+    <dgm:sp3d/>
+    <dgm:txPr/>
+    <dgm:style>
+      <a:lnRef idx="2">
+        <a:scrgbClr r="0" g="0" b="0"/>
+      </a:lnRef>
+      <a:fillRef idx="1">
+        <a:scrgbClr r="0" g="0" b="0"/>
+      </a:fillRef>
+      <a:effectRef idx="0">
+        <a:scrgbClr r="0" g="0" b="0"/>
+      </a:effectRef>
+      <a:fontRef idx="minor"/>
+    </dgm:style>
+  </dgm:styleLbl>
+  <dgm:styleLbl name="alignImgPlace1">
+    <dgm:scene3d>
+      <a:camera prst="orthographicFront"/>
+      <a:lightRig rig="threePt" dir="t"/>
+    </dgm:scene3d>
+    <dgm:sp3d/>
+    <dgm:txPr/>
+    <dgm:style>
+      <a:lnRef idx="2">
+        <a:scrgbClr r="0" g="0" b="0"/>
+      </a:lnRef>
+      <a:fillRef idx="1">
+        <a:scrgbClr r="0" g="0" b="0"/>
+      </a:fillRef>
+      <a:effectRef idx="0">
+        <a:scrgbClr r="0" g="0" b="0"/>
+      </a:effectRef>
+      <a:fontRef idx="minor"/>
+    </dgm:style>
+  </dgm:styleLbl>
+  <dgm:styleLbl name="bgImgPlace1">
+    <dgm:scene3d>
+      <a:camera prst="orthographicFront"/>
+      <a:lightRig rig="threePt" dir="t"/>
+    </dgm:scene3d>
+    <dgm:sp3d/>
+    <dgm:txPr/>
+    <dgm:style>
+      <a:lnRef idx="2">
+        <a:scrgbClr r="0" g="0" b="0"/>
+      </a:lnRef>
+      <a:fillRef idx="1">
+        <a:scrgbClr r="0" g="0" b="0"/>
+      </a:fillRef>
+      <a:effectRef idx="0">
+        <a:scrgbClr r="0" g="0" b="0"/>
+      </a:effectRef>
+      <a:fontRef idx="minor"/>
+    </dgm:style>
+  </dgm:styleLbl>
+  <dgm:styleLbl name="sibTrans2D1">
+    <dgm:scene3d>
+      <a:camera prst="orthographicFront"/>
+      <a:lightRig rig="threePt" dir="t"/>
+    </dgm:scene3d>
+    <dgm:sp3d/>
+    <dgm:txPr/>
+    <dgm:style>
+      <a:lnRef idx="0">
+        <a:scrgbClr r="0" g="0" b="0"/>
+      </a:lnRef>
+      <a:fillRef idx="1">
+        <a:scrgbClr r="0" g="0" b="0"/>
+      </a:fillRef>
+      <a:effectRef idx="0">
+        <a:scrgbClr r="0" g="0" b="0"/>
+      </a:effectRef>
+      <a:fontRef idx="minor">
+        <a:schemeClr val="lt1"/>
+      </a:fontRef>
+    </dgm:style>
+  </dgm:styleLbl>
+  <dgm:styleLbl name="fgSibTrans2D1">
+    <dgm:scene3d>
+      <a:camera prst="orthographicFront"/>
+      <a:lightRig rig="threePt" dir="t"/>
+    </dgm:scene3d>
+    <dgm:sp3d/>
+    <dgm:txPr/>
+    <dgm:style>
+      <a:lnRef idx="0">
+        <a:scrgbClr r="0" g="0" b="0"/>
+      </a:lnRef>
+      <a:fillRef idx="1">
+        <a:scrgbClr r="0" g="0" b="0"/>
+      </a:fillRef>
+      <a:effectRef idx="0">
+        <a:scrgbClr r="0" g="0" b="0"/>
+      </a:effectRef>
+      <a:fontRef idx="minor">
+        <a:schemeClr val="lt1"/>
+      </a:fontRef>
+    </dgm:style>
+  </dgm:styleLbl>
+  <dgm:styleLbl name="bgSibTrans2D1">
+    <dgm:scene3d>
+      <a:camera prst="orthographicFront"/>
+      <a:lightRig rig="threePt" dir="t"/>
+    </dgm:scene3d>
+    <dgm:sp3d/>
+    <dgm:txPr/>
+    <dgm:style>
+      <a:lnRef idx="0">
+        <a:scrgbClr r="0" g="0" b="0"/>
+      </a:lnRef>
+      <a:fillRef idx="1">
+        <a:scrgbClr r="0" g="0" b="0"/>
+      </a:fillRef>
+      <a:effectRef idx="0">
+        <a:scrgbClr r="0" g="0" b="0"/>
+      </a:effectRef>
+      <a:fontRef idx="minor">
+        <a:schemeClr val="lt1"/>
+      </a:fontRef>
+    </dgm:style>
+  </dgm:styleLbl>
+  <dgm:styleLbl name="sibTrans1D1">
+    <dgm:scene3d>
+      <a:camera prst="orthographicFront"/>
+      <a:lightRig rig="threePt" dir="t"/>
+    </dgm:scene3d>
+    <dgm:sp3d/>
+    <dgm:txPr/>
+    <dgm:style>
+      <a:lnRef idx="1">
+        <a:scrgbClr r="0" g="0" b="0"/>
+      </a:lnRef>
+      <a:fillRef idx="0">
+        <a:scrgbClr r="0" g="0" b="0"/>
+      </a:fillRef>
+      <a:effectRef idx="0">
+        <a:scrgbClr r="0" g="0" b="0"/>
+      </a:effectRef>
+      <a:fontRef idx="minor"/>
+    </dgm:style>
+  </dgm:styleLbl>
+  <dgm:styleLbl name="callout">
+    <dgm:scene3d>
+      <a:camera prst="orthographicFront"/>
+      <a:lightRig rig="threePt" dir="t"/>
+    </dgm:scene3d>
+    <dgm:sp3d/>
+    <dgm:txPr/>
+    <dgm:style>
+      <a:lnRef idx="2">
+        <a:scrgbClr r="0" g="0" b="0"/>
+      </a:lnRef>
+      <a:fillRef idx="1">
+        <a:scrgbClr r="0" g="0" b="0"/>
+      </a:fillRef>
+      <a:effectRef idx="0">
+        <a:scrgbClr r="0" g="0" b="0"/>
+      </a:effectRef>
+      <a:fontRef idx="minor"/>
+    </dgm:style>
+  </dgm:styleLbl>
+  <dgm:styleLbl name="asst0">
+    <dgm:scene3d>
+      <a:camera prst="orthographicFront"/>
+      <a:lightRig rig="threePt" dir="t"/>
+    </dgm:scene3d>
+    <dgm:sp3d/>
+    <dgm:txPr/>
+    <dgm:style>
+      <a:lnRef idx="2">
+        <a:scrgbClr r="0" g="0" b="0"/>
+      </a:lnRef>
+      <a:fillRef idx="1">
+        <a:scrgbClr r="0" g="0" b="0"/>
+      </a:fillRef>
+      <a:effectRef idx="0">
+        <a:scrgbClr r="0" g="0" b="0"/>
+      </a:effectRef>
+      <a:fontRef idx="minor">
+        <a:schemeClr val="lt1"/>
+      </a:fontRef>
+    </dgm:style>
+  </dgm:styleLbl>
+  <dgm:styleLbl name="asst1">
+    <dgm:scene3d>
+      <a:camera prst="orthographicFront"/>
+      <a:lightRig rig="threePt" dir="t"/>
+    </dgm:scene3d>
+    <dgm:sp3d/>
+    <dgm:txPr/>
+    <dgm:style>
+      <a:lnRef idx="2">
+        <a:scrgbClr r="0" g="0" b="0"/>
+      </a:lnRef>
+      <a:fillRef idx="1">
+        <a:scrgbClr r="0" g="0" b="0"/>
+      </a:fillRef>
+      <a:effectRef idx="0">
+        <a:scrgbClr r="0" g="0" b="0"/>
+      </a:effectRef>
+      <a:fontRef idx="minor">
+        <a:schemeClr val="lt1"/>
+      </a:fontRef>
+    </dgm:style>
+  </dgm:styleLbl>
+  <dgm:styleLbl name="asst2">
+    <dgm:scene3d>
+      <a:camera prst="orthographicFront"/>
+      <a:lightRig rig="threePt" dir="t"/>
+    </dgm:scene3d>
+    <dgm:sp3d/>
+    <dgm:txPr/>
+    <dgm:style>
+      <a:lnRef idx="2">
+        <a:scrgbClr r="0" g="0" b="0"/>
+      </a:lnRef>
+      <a:fillRef idx="1">
+        <a:scrgbClr r="0" g="0" b="0"/>
+      </a:fillRef>
+      <a:effectRef idx="0">
+        <a:scrgbClr r="0" g="0" b="0"/>
+      </a:effectRef>
+      <a:fontRef idx="minor">
+        <a:schemeClr val="lt1"/>
+      </a:fontRef>
+    </dgm:style>
+  </dgm:styleLbl>
+  <dgm:styleLbl name="asst3">
+    <dgm:scene3d>
+      <a:camera prst="orthographicFront"/>
+      <a:lightRig rig="threePt" dir="t"/>
+    </dgm:scene3d>
+    <dgm:sp3d/>
+    <dgm:txPr/>
+    <dgm:style>
+      <a:lnRef idx="2">
+        <a:scrgbClr r="0" g="0" b="0"/>
+      </a:lnRef>
+      <a:fillRef idx="1">
+        <a:scrgbClr r="0" g="0" b="0"/>
+      </a:fillRef>
+      <a:effectRef idx="0">
+        <a:scrgbClr r="0" g="0" b="0"/>
+      </a:effectRef>
+      <a:fontRef idx="minor">
+        <a:schemeClr val="lt1"/>
+      </a:fontRef>
+    </dgm:style>
+  </dgm:styleLbl>
+  <dgm:styleLbl name="asst4">
+    <dgm:scene3d>
+      <a:camera prst="orthographicFront"/>
+      <a:lightRig rig="threePt" dir="t"/>
+    </dgm:scene3d>
+    <dgm:sp3d/>
+    <dgm:txPr/>
+    <dgm:style>
+      <a:lnRef idx="2">
+        <a:scrgbClr r="0" g="0" b="0"/>
+      </a:lnRef>
+      <a:fillRef idx="1">
+        <a:scrgbClr r="0" g="0" b="0"/>
+      </a:fillRef>
+      <a:effectRef idx="0">
+        <a:scrgbClr r="0" g="0" b="0"/>
+      </a:effectRef>
+      <a:fontRef idx="minor">
+        <a:schemeClr val="lt1"/>
+      </a:fontRef>
+    </dgm:style>
+  </dgm:styleLbl>
+  <dgm:styleLbl name="parChTrans2D1">
+    <dgm:scene3d>
+      <a:camera prst="orthographicFront"/>
+      <a:lightRig rig="threePt" dir="t"/>
+    </dgm:scene3d>
+    <dgm:sp3d/>
+    <dgm:txPr/>
+    <dgm:style>
+      <a:lnRef idx="2">
+        <a:scrgbClr r="0" g="0" b="0"/>
+      </a:lnRef>
+      <a:fillRef idx="1">
+        <a:scrgbClr r="0" g="0" b="0"/>
+      </a:fillRef>
+      <a:effectRef idx="0">
+        <a:scrgbClr r="0" g="0" b="0"/>
+      </a:effectRef>
+      <a:fontRef idx="minor">
+        <a:schemeClr val="lt1"/>
+      </a:fontRef>
+    </dgm:style>
+  </dgm:styleLbl>
+  <dgm:styleLbl name="parChTrans2D2">
+    <dgm:scene3d>
+      <a:camera prst="orthographicFront"/>
+      <a:lightRig rig="threePt" dir="t"/>
+    </dgm:scene3d>
+    <dgm:sp3d/>
+    <dgm:txPr/>
+    <dgm:style>
+      <a:lnRef idx="2">
+        <a:scrgbClr r="0" g="0" b="0"/>
+      </a:lnRef>
+      <a:fillRef idx="1">
+        <a:scrgbClr r="0" g="0" b="0"/>
+      </a:fillRef>
+      <a:effectRef idx="0">
+        <a:scrgbClr r="0" g="0" b="0"/>
+      </a:effectRef>
+      <a:fontRef idx="minor">
+        <a:schemeClr val="lt1"/>
+      </a:fontRef>
+    </dgm:style>
+  </dgm:styleLbl>
+  <dgm:styleLbl name="parChTrans2D3">
+    <dgm:scene3d>
+      <a:camera prst="orthographicFront"/>
+      <a:lightRig rig="threePt" dir="t"/>
+    </dgm:scene3d>
+    <dgm:sp3d/>
+    <dgm:txPr/>
+    <dgm:style>
+      <a:lnRef idx="2">
+        <a:scrgbClr r="0" g="0" b="0"/>
+      </a:lnRef>
+      <a:fillRef idx="1">
+        <a:scrgbClr r="0" g="0" b="0"/>
+      </a:fillRef>
+      <a:effectRef idx="0">
+        <a:scrgbClr r="0" g="0" b="0"/>
+      </a:effectRef>
+      <a:fontRef idx="minor">
+        <a:schemeClr val="lt1"/>
+      </a:fontRef>
+    </dgm:style>
+  </dgm:styleLbl>
+  <dgm:styleLbl name="parChTrans2D4">
+    <dgm:scene3d>
+      <a:camera prst="orthographicFront"/>
+      <a:lightRig rig="threePt" dir="t"/>
+    </dgm:scene3d>
+    <dgm:sp3d/>
+    <dgm:txPr/>
+    <dgm:style>
+      <a:lnRef idx="2">
+        <a:scrgbClr r="0" g="0" b="0"/>
+      </a:lnRef>
+      <a:fillRef idx="1">
+        <a:scrgbClr r="0" g="0" b="0"/>
+      </a:fillRef>
+      <a:effectRef idx="0">
+        <a:scrgbClr r="0" g="0" b="0"/>
+      </a:effectRef>
+      <a:fontRef idx="minor">
+        <a:schemeClr val="lt1"/>
+      </a:fontRef>
+    </dgm:style>
+  </dgm:styleLbl>
+  <dgm:styleLbl name="parChTrans1D1">
+    <dgm:scene3d>
+      <a:camera prst="orthographicFront"/>
+      <a:lightRig rig="threePt" dir="t"/>
+    </dgm:scene3d>
+    <dgm:sp3d/>
+    <dgm:txPr/>
+    <dgm:style>
+      <a:lnRef idx="2">
+        <a:scrgbClr r="0" g="0" b="0"/>
+      </a:lnRef>
+      <a:fillRef idx="0">
+        <a:scrgbClr r="0" g="0" b="0"/>
+      </a:fillRef>
+      <a:effectRef idx="0">
+        <a:scrgbClr r="0" g="0" b="0"/>
+      </a:effectRef>
+      <a:fontRef idx="minor"/>
+    </dgm:style>
+  </dgm:styleLbl>
+  <dgm:styleLbl name="parChTrans1D2">
+    <dgm:scene3d>
+      <a:camera prst="orthographicFront"/>
+      <a:lightRig rig="threePt" dir="t"/>
+    </dgm:scene3d>
+    <dgm:sp3d/>
+    <dgm:txPr/>
+    <dgm:style>
+      <a:lnRef idx="2">
+        <a:scrgbClr r="0" g="0" b="0"/>
+      </a:lnRef>
+      <a:fillRef idx="0">
+        <a:scrgbClr r="0" g="0" b="0"/>
+      </a:fillRef>
+      <a:effectRef idx="0">
+        <a:scrgbClr r="0" g="0" b="0"/>
+      </a:effectRef>
+      <a:fontRef idx="minor"/>
+    </dgm:style>
+  </dgm:styleLbl>
+  <dgm:styleLbl name="parChTrans1D3">
+    <dgm:scene3d>
+      <a:camera prst="orthographicFront"/>
+      <a:lightRig rig="threePt" dir="t"/>
+    </dgm:scene3d>
+    <dgm:sp3d/>
+    <dgm:txPr/>
+    <dgm:style>
+      <a:lnRef idx="2">
+        <a:scrgbClr r="0" g="0" b="0"/>
+      </a:lnRef>
+      <a:fillRef idx="0">
+        <a:scrgbClr r="0" g="0" b="0"/>
+      </a:fillRef>
+      <a:effectRef idx="0">
+        <a:scrgbClr r="0" g="0" b="0"/>
+      </a:effectRef>
+      <a:fontRef idx="minor"/>
+    </dgm:style>
+  </dgm:styleLbl>
+  <dgm:styleLbl name="parChTrans1D4">
+    <dgm:scene3d>
+      <a:camera prst="orthographicFront"/>
+      <a:lightRig rig="threePt" dir="t"/>
+    </dgm:scene3d>
+    <dgm:sp3d/>
+    <dgm:txPr/>
+    <dgm:style>
+      <a:lnRef idx="2">
+        <a:scrgbClr r="0" g="0" b="0"/>
+      </a:lnRef>
+      <a:fillRef idx="0">
+        <a:scrgbClr r="0" g="0" b="0"/>
+      </a:fillRef>
+      <a:effectRef idx="0">
+        <a:scrgbClr r="0" g="0" b="0"/>
+      </a:effectRef>
+      <a:fontRef idx="minor"/>
+    </dgm:style>
+  </dgm:styleLbl>
+  <dgm:styleLbl name="fgAcc1">
+    <dgm:scene3d>
+      <a:camera prst="orthographicFront"/>
+      <a:lightRig rig="threePt" dir="t"/>
+    </dgm:scene3d>
+    <dgm:sp3d/>
+    <dgm:txPr/>
+    <dgm:style>
+      <a:lnRef idx="2">
+        <a:scrgbClr r="0" g="0" b="0"/>
+      </a:lnRef>
+      <a:fillRef idx="1">
+        <a:scrgbClr r="0" g="0" b="0"/>
+      </a:fillRef>
+      <a:effectRef idx="0">
+        <a:scrgbClr r="0" g="0" b="0"/>
+      </a:effectRef>
+      <a:fontRef idx="minor"/>
+    </dgm:style>
+  </dgm:styleLbl>
+  <dgm:styleLbl name="conFgAcc1">
+    <dgm:scene3d>
+      <a:camera prst="orthographicFront"/>
+      <a:lightRig rig="threePt" dir="t"/>
+    </dgm:scene3d>
+    <dgm:sp3d/>
+    <dgm:txPr/>
+    <dgm:style>
+      <a:lnRef idx="2">
+        <a:scrgbClr r="0" g="0" b="0"/>
+      </a:lnRef>
+      <a:fillRef idx="1">
+        <a:scrgbClr r="0" g="0" b="0"/>
+      </a:fillRef>
+      <a:effectRef idx="0">
+        <a:scrgbClr r="0" g="0" b="0"/>
+      </a:effectRef>
+      <a:fontRef idx="minor"/>
+    </dgm:style>
+  </dgm:styleLbl>
+  <dgm:styleLbl name="alignAcc1">
+    <dgm:scene3d>
+      <a:camera prst="orthographicFront"/>
+      <a:lightRig rig="threePt" dir="t"/>
+    </dgm:scene3d>
+    <dgm:sp3d/>
+    <dgm:txPr/>
+    <dgm:style>
+      <a:lnRef idx="2">
+        <a:scrgbClr r="0" g="0" b="0"/>
+      </a:lnRef>
+      <a:fillRef idx="1">
+        <a:scrgbClr r="0" g="0" b="0"/>
+      </a:fillRef>
+      <a:effectRef idx="0">
+        <a:scrgbClr r="0" g="0" b="0"/>
+      </a:effectRef>
+      <a:fontRef idx="minor"/>
+    </dgm:style>
+  </dgm:styleLbl>
+  <dgm:styleLbl name="trAlignAcc1">
+    <dgm:scene3d>
+      <a:camera prst="orthographicFront"/>
+      <a:lightRig rig="threePt" dir="t"/>
+    </dgm:scene3d>
+    <dgm:sp3d/>
+    <dgm:txPr/>
+    <dgm:style>
+      <a:lnRef idx="1">
+        <a:scrgbClr r="0" g="0" b="0"/>
+      </a:lnRef>
+      <a:fillRef idx="1">
+        <a:scrgbClr r="0" g="0" b="0"/>
+      </a:fillRef>
+      <a:effectRef idx="0">
+        <a:scrgbClr r="0" g="0" b="0"/>
+      </a:effectRef>
+      <a:fontRef idx="minor"/>
+    </dgm:style>
+  </dgm:styleLbl>
+  <dgm:styleLbl name="bgAcc1">
+    <dgm:scene3d>
+      <a:camera prst="orthographicFront"/>
+      <a:lightRig rig="threePt" dir="t"/>
+    </dgm:scene3d>
+    <dgm:sp3d/>
+    <dgm:txPr/>
+    <dgm:style>
+      <a:lnRef idx="2">
+        <a:scrgbClr r="0" g="0" b="0"/>
+      </a:lnRef>
+      <a:fillRef idx="1">
+        <a:scrgbClr r="0" g="0" b="0"/>
+      </a:fillRef>
+      <a:effectRef idx="0">
+        <a:scrgbClr r="0" g="0" b="0"/>
+      </a:effectRef>
+      <a:fontRef idx="minor"/>
+    </dgm:style>
+  </dgm:styleLbl>
+  <dgm:styleLbl name="solidFgAcc1">
+    <dgm:scene3d>
+      <a:camera prst="orthographicFront"/>
+      <a:lightRig rig="threePt" dir="t"/>
+    </dgm:scene3d>
+    <dgm:sp3d/>
+    <dgm:txPr/>
+    <dgm:style>
+      <a:lnRef idx="2">
+        <a:scrgbClr r="0" g="0" b="0"/>
+      </a:lnRef>
+      <a:fillRef idx="1">
+        <a:scrgbClr r="0" g="0" b="0"/>
+      </a:fillRef>
+      <a:effectRef idx="0">
+        <a:scrgbClr r="0" g="0" b="0"/>
+      </a:effectRef>
+      <a:fontRef idx="minor"/>
+    </dgm:style>
+  </dgm:styleLbl>
+  <dgm:styleLbl name="solidAlignAcc1">
+    <dgm:scene3d>
+      <a:camera prst="orthographicFront"/>
+      <a:lightRig rig="threePt" dir="t"/>
+    </dgm:scene3d>
+    <dgm:sp3d/>
+    <dgm:txPr/>
+    <dgm:style>
+      <a:lnRef idx="2">
+        <a:scrgbClr r="0" g="0" b="0"/>
+      </a:lnRef>
+      <a:fillRef idx="1">
+        <a:scrgbClr r="0" g="0" b="0"/>
+      </a:fillRef>
+      <a:effectRef idx="0">
+        <a:scrgbClr r="0" g="0" b="0"/>
+      </a:effectRef>
+      <a:fontRef idx="minor"/>
+    </dgm:style>
+  </dgm:styleLbl>
+  <dgm:styleLbl name="solidBgAcc1">
+    <dgm:scene3d>
+      <a:camera prst="orthographicFront"/>
+      <a:lightRig rig="threePt" dir="t"/>
+    </dgm:scene3d>
+    <dgm:sp3d/>
+    <dgm:txPr/>
+    <dgm:style>
+      <a:lnRef idx="2">
+        <a:scrgbClr r="0" g="0" b="0"/>
+      </a:lnRef>
+      <a:fillRef idx="1">
+        <a:scrgbClr r="0" g="0" b="0"/>
+      </a:fillRef>
+      <a:effectRef idx="0">
+        <a:scrgbClr r="0" g="0" b="0"/>
+      </a:effectRef>
+      <a:fontRef idx="minor"/>
+    </dgm:style>
+  </dgm:styleLbl>
+  <dgm:styleLbl name="fgAccFollowNode1">
+    <dgm:scene3d>
+      <a:camera prst="orthographicFront"/>
+      <a:lightRig rig="threePt" dir="t"/>
+    </dgm:scene3d>
+    <dgm:sp3d/>
+    <dgm:txPr/>
+    <dgm:style>
+      <a:lnRef idx="2">
+        <a:scrgbClr r="0" g="0" b="0"/>
+      </a:lnRef>
+      <a:fillRef idx="1">
+        <a:scrgbClr r="0" g="0" b="0"/>
+      </a:fillRef>
+      <a:effectRef idx="0">
+        <a:scrgbClr r="0" g="0" b="0"/>
+      </a:effectRef>
+      <a:fontRef idx="minor"/>
+    </dgm:style>
+  </dgm:styleLbl>
+  <dgm:styleLbl name="alignAccFollowNode1">
+    <dgm:scene3d>
+      <a:camera prst="orthographicFront"/>
+      <a:lightRig rig="threePt" dir="t"/>
+    </dgm:scene3d>
+    <dgm:sp3d/>
+    <dgm:txPr/>
+    <dgm:style>
+      <a:lnRef idx="2">
+        <a:scrgbClr r="0" g="0" b="0"/>
+      </a:lnRef>
+      <a:fillRef idx="1">
+        <a:scrgbClr r="0" g="0" b="0"/>
+      </a:fillRef>
+      <a:effectRef idx="0">
+        <a:scrgbClr r="0" g="0" b="0"/>
+      </a:effectRef>
+      <a:fontRef idx="minor"/>
+    </dgm:style>
+  </dgm:styleLbl>
+  <dgm:styleLbl name="bgAccFollowNode1">
+    <dgm:scene3d>
+      <a:camera prst="orthographicFront"/>
+      <a:lightRig rig="threePt" dir="t"/>
+    </dgm:scene3d>
+    <dgm:sp3d/>
+    <dgm:txPr/>
+    <dgm:style>
+      <a:lnRef idx="2">
+        <a:scrgbClr r="0" g="0" b="0"/>
+      </a:lnRef>
+      <a:fillRef idx="1">
+        <a:scrgbClr r="0" g="0" b="0"/>
+      </a:fillRef>
+      <a:effectRef idx="0">
+        <a:scrgbClr r="0" g="0" b="0"/>
+      </a:effectRef>
+      <a:fontRef idx="minor"/>
+    </dgm:style>
+  </dgm:styleLbl>
+  <dgm:styleLbl name="fgAcc0">
+    <dgm:scene3d>
+      <a:camera prst="orthographicFront"/>
+      <a:lightRig rig="threePt" dir="t"/>
+    </dgm:scene3d>
+    <dgm:sp3d/>
+    <dgm:txPr/>
+    <dgm:style>
+      <a:lnRef idx="2">
+        <a:scrgbClr r="0" g="0" b="0"/>
+      </a:lnRef>
+      <a:fillRef idx="1">
+        <a:scrgbClr r="0" g="0" b="0"/>
+      </a:fillRef>
+      <a:effectRef idx="0">
+        <a:scrgbClr r="0" g="0" b="0"/>
+      </a:effectRef>
+      <a:fontRef idx="minor"/>
+    </dgm:style>
+  </dgm:styleLbl>
+  <dgm:styleLbl name="fgAcc2">
+    <dgm:scene3d>
+      <a:camera prst="orthographicFront"/>
+      <a:lightRig rig="threePt" dir="t"/>
+    </dgm:scene3d>
+    <dgm:sp3d/>
+    <dgm:txPr/>
+    <dgm:style>
+      <a:lnRef idx="2">
+        <a:scrgbClr r="0" g="0" b="0"/>
+      </a:lnRef>
+      <a:fillRef idx="1">
+        <a:scrgbClr r="0" g="0" b="0"/>
+      </a:fillRef>
+      <a:effectRef idx="0">
+        <a:scrgbClr r="0" g="0" b="0"/>
+      </a:effectRef>
+      <a:fontRef idx="minor"/>
+    </dgm:style>
+  </dgm:styleLbl>
+  <dgm:styleLbl name="fgAcc3">
+    <dgm:scene3d>
+      <a:camera prst="orthographicFront"/>
+      <a:lightRig rig="threePt" dir="t"/>
+    </dgm:scene3d>
+    <dgm:sp3d/>
+    <dgm:txPr/>
+    <dgm:style>
+      <a:lnRef idx="2">
+        <a:scrgbClr r="0" g="0" b="0"/>
+      </a:lnRef>
+      <a:fillRef idx="1">
+        <a:scrgbClr r="0" g="0" b="0"/>
+      </a:fillRef>
+      <a:effectRef idx="0">
+        <a:scrgbClr r="0" g="0" b="0"/>
+      </a:effectRef>
+      <a:fontRef idx="minor"/>
+    </dgm:style>
+  </dgm:styleLbl>
+  <dgm:styleLbl name="fgAcc4">
+    <dgm:scene3d>
+      <a:camera prst="orthographicFront"/>
+      <a:lightRig rig="threePt" dir="t"/>
+    </dgm:scene3d>
+    <dgm:sp3d/>
+    <dgm:txPr/>
+    <dgm:style>
+      <a:lnRef idx="2">
+        <a:scrgbClr r="0" g="0" b="0"/>
+      </a:lnRef>
+      <a:fillRef idx="1">
+        <a:scrgbClr r="0" g="0" b="0"/>
+      </a:fillRef>
+      <a:effectRef idx="0">
+        <a:scrgbClr r="0" g="0" b="0"/>
+      </a:effectRef>
+      <a:fontRef idx="minor"/>
+    </dgm:style>
+  </dgm:styleLbl>
+  <dgm:styleLbl name="bgShp">
+    <dgm:scene3d>
+      <a:camera prst="orthographicFront"/>
+      <a:lightRig rig="threePt" dir="t"/>
+    </dgm:scene3d>
+    <dgm:sp3d/>
+    <dgm:txPr/>
+    <dgm:style>
+      <a:lnRef idx="0">
+        <a:scrgbClr r="0" g="0" b="0"/>
+      </a:lnRef>
+      <a:fillRef idx="1">
+        <a:scrgbClr r="0" g="0" b="0"/>
+      </a:fillRef>
+      <a:effectRef idx="0">
+        <a:scrgbClr r="0" g="0" b="0"/>
+      </a:effectRef>
+      <a:fontRef idx="minor"/>
+    </dgm:style>
+  </dgm:styleLbl>
+  <dgm:styleLbl name="dkBgShp">
+    <dgm:scene3d>
+      <a:camera prst="orthographicFront"/>
+      <a:lightRig rig="threePt" dir="t"/>
+    </dgm:scene3d>
+    <dgm:sp3d/>
+    <dgm:txPr/>
+    <dgm:style>
+      <a:lnRef idx="0">
+        <a:scrgbClr r="0" g="0" b="0"/>
+      </a:lnRef>
+      <a:fillRef idx="1">
+        <a:scrgbClr r="0" g="0" b="0"/>
+      </a:fillRef>
+      <a:effectRef idx="0">
+        <a:scrgbClr r="0" g="0" b="0"/>
+      </a:effectRef>
+      <a:fontRef idx="minor"/>
+    </dgm:style>
+  </dgm:styleLbl>
+  <dgm:styleLbl name="trBgShp">
+    <dgm:scene3d>
+      <a:camera prst="orthographicFront"/>
+      <a:lightRig rig="threePt" dir="t"/>
+    </dgm:scene3d>
+    <dgm:sp3d/>
+    <dgm:txPr/>
+    <dgm:style>
+      <a:lnRef idx="0">
+        <a:scrgbClr r="0" g="0" b="0"/>
+      </a:lnRef>
+      <a:fillRef idx="1">
+        <a:scrgbClr r="0" g="0" b="0"/>
+      </a:fillRef>
+      <a:effectRef idx="0">
+        <a:scrgbClr r="0" g="0" b="0"/>
+      </a:effectRef>
+      <a:fontRef idx="minor"/>
+    </dgm:style>
+  </dgm:styleLbl>
+  <dgm:styleLbl name="fgShp">
+    <dgm:scene3d>
+      <a:camera prst="orthographicFront"/>
+      <a:lightRig rig="threePt" dir="t"/>
+    </dgm:scene3d>
+    <dgm:sp3d/>
+    <dgm:txPr/>
+    <dgm:style>
+      <a:lnRef idx="2">
+        <a:scrgbClr r="0" g="0" b="0"/>
+      </a:lnRef>
+      <a:fillRef idx="1">
+        <a:scrgbClr r="0" g="0" b="0"/>
+      </a:fillRef>
+      <a:effectRef idx="0">
+        <a:scrgbClr r="0" g="0" b="0"/>
+      </a:effectRef>
+      <a:fontRef idx="minor"/>
+    </dgm:style>
+  </dgm:styleLbl>
+  <dgm:styleLbl name="revTx">
+    <dgm:scene3d>
+      <a:camera prst="orthographicFront"/>
+      <a:lightRig rig="threePt" dir="t"/>
+    </dgm:scene3d>
+    <dgm:sp3d/>
+    <dgm:txPr/>
+    <dgm:style>
+      <a:lnRef idx="0">
+        <a:scrgbClr r="0" g="0" b="0"/>
+      </a:lnRef>
+      <a:fillRef idx="0">
+        <a:scrgbClr r="0" g="0" b="0"/>
+      </a:fillRef>
+      <a:effectRef idx="0">
+        <a:scrgbClr r="0" g="0" b="0"/>
+      </a:effectRef>
+      <a:fontRef idx="minor"/>
+    </dgm:style>
+  </dgm:styleLbl>
+</dgm:styleDef>
 </file>
 
 <file path=ppt/slideLayouts/slideLayout1.xml><?xml version="1.0" encoding="utf-8"?>
@@ -2512,35 +5160,44 @@
           <a:bodyPr/>
           <a:lstStyle/>
           <a:p>
-            <a:endParaRPr lang="en-US" dirty="0"/>
+            <a:r>
+              <a:rPr lang="en-US" dirty="0"/>
+              <a:t>Web Typography? What’s that?		</a:t>
+            </a:r>
           </a:p>
         </p:txBody>
       </p:sp>
-      <p:sp>
-        <p:nvSpPr>
-          <p:cNvPr id="3" name="Inhaltsplatzhalter 2">
+      <p:graphicFrame>
+        <p:nvGraphicFramePr>
+          <p:cNvPr id="6" name="Inhaltsplatzhalter 2">
             <a:extLst>
               <a:ext uri="{FF2B5EF4-FFF2-40B4-BE49-F238E27FC236}">
-                <a16:creationId xmlns:a16="http://schemas.microsoft.com/office/drawing/2014/main" id="{42E5EF63-84D2-70CC-20EC-D9231528A011}"/>
+                <a16:creationId xmlns:a16="http://schemas.microsoft.com/office/drawing/2014/main" id="{5BB20D33-D3B1-46BC-A679-B0FE56DA1759}"/>
               </a:ext>
             </a:extLst>
           </p:cNvPr>
-          <p:cNvSpPr>
-            <a:spLocks noGrp="1"/>
-          </p:cNvSpPr>
+          <p:cNvGraphicFramePr>
+            <a:graphicFrameLocks noGrp="1"/>
+          </p:cNvGraphicFramePr>
           <p:nvPr>
             <p:ph idx="1"/>
+            <p:extLst>
+              <p:ext uri="{D42A27DB-BD31-4B8C-83A1-F6EECF244321}">
+                <p14:modId xmlns:p14="http://schemas.microsoft.com/office/powerpoint/2010/main" val="3785694051"/>
+              </p:ext>
+            </p:extLst>
           </p:nvPr>
-        </p:nvSpPr>
-        <p:spPr/>
-        <p:txBody>
-          <a:bodyPr/>
-          <a:lstStyle/>
-          <a:p>
-            <a:endParaRPr lang="en-US" dirty="0"/>
-          </a:p>
-        </p:txBody>
-      </p:sp>
+        </p:nvGraphicFramePr>
+        <p:xfrm>
+          <a:off x="838200" y="616585"/>
+          <a:ext cx="10515600" cy="4351338"/>
+        </p:xfrm>
+        <a:graphic>
+          <a:graphicData uri="http://schemas.openxmlformats.org/drawingml/2006/diagram">
+            <dgm:relIds xmlns:dgm="http://schemas.openxmlformats.org/drawingml/2006/diagram" xmlns:r="http://schemas.openxmlformats.org/officeDocument/2006/relationships" r:dm="rId2" r:lo="rId3" r:qs="rId4" r:cs="rId5"/>
+          </a:graphicData>
+        </a:graphic>
+      </p:graphicFrame>
       <p:sp>
         <p:nvSpPr>
           <p:cNvPr id="4" name="Rechteck 3">
@@ -2606,6 +5263,212 @@
           </a:p>
         </p:txBody>
       </p:sp>
+      <p:sp>
+        <p:nvSpPr>
+          <p:cNvPr id="13" name="Textfeld 12">
+            <a:extLst>
+              <a:ext uri="{FF2B5EF4-FFF2-40B4-BE49-F238E27FC236}">
+                <a16:creationId xmlns:a16="http://schemas.microsoft.com/office/drawing/2014/main" id="{8C353DEB-538C-B882-856E-7D2A58AB3AE0}"/>
+              </a:ext>
+            </a:extLst>
+          </p:cNvPr>
+          <p:cNvSpPr txBox="1"/>
+          <p:nvPr/>
+        </p:nvSpPr>
+        <p:spPr>
+          <a:xfrm>
+            <a:off x="5726098" y="5639085"/>
+            <a:ext cx="1260629" cy="369332"/>
+          </a:xfrm>
+          <a:prstGeom prst="rect">
+            <a:avLst/>
+          </a:prstGeom>
+          <a:noFill/>
+        </p:spPr>
+        <p:txBody>
+          <a:bodyPr wrap="square" rtlCol="0">
+            <a:spAutoFit/>
+          </a:bodyPr>
+          <a:lstStyle/>
+          <a:p>
+            <a:r>
+              <a:rPr lang="de-DE" dirty="0"/>
+              <a:t>Text</a:t>
+            </a:r>
+            <a:endParaRPr lang="de-AT" dirty="0"/>
+          </a:p>
+        </p:txBody>
+      </p:sp>
+      <p:cxnSp>
+        <p:nvCxnSpPr>
+          <p:cNvPr id="22" name="Gerade Verbindung mit Pfeil 21">
+            <a:extLst>
+              <a:ext uri="{FF2B5EF4-FFF2-40B4-BE49-F238E27FC236}">
+                <a16:creationId xmlns:a16="http://schemas.microsoft.com/office/drawing/2014/main" id="{26545A4C-22A7-4FE3-0DAC-1DA3DB15878D}"/>
+              </a:ext>
+            </a:extLst>
+          </p:cNvPr>
+          <p:cNvCxnSpPr>
+            <a:cxnSpLocks/>
+          </p:cNvCxnSpPr>
+          <p:nvPr/>
+        </p:nvCxnSpPr>
+        <p:spPr>
+          <a:xfrm>
+            <a:off x="6027938" y="3922143"/>
+            <a:ext cx="0" cy="1045780"/>
+          </a:xfrm>
+          <a:prstGeom prst="straightConnector1">
+            <a:avLst/>
+          </a:prstGeom>
+          <a:ln>
+            <a:tailEnd type="triangle"/>
+          </a:ln>
+        </p:spPr>
+        <p:style>
+          <a:lnRef idx="1">
+            <a:schemeClr val="accent1"/>
+          </a:lnRef>
+          <a:fillRef idx="0">
+            <a:schemeClr val="accent1"/>
+          </a:fillRef>
+          <a:effectRef idx="0">
+            <a:schemeClr val="accent1"/>
+          </a:effectRef>
+          <a:fontRef idx="minor">
+            <a:schemeClr val="tx1"/>
+          </a:fontRef>
+        </p:style>
+      </p:cxnSp>
+      <p:cxnSp>
+        <p:nvCxnSpPr>
+          <p:cNvPr id="24" name="Gerade Verbindung mit Pfeil 23">
+            <a:extLst>
+              <a:ext uri="{FF2B5EF4-FFF2-40B4-BE49-F238E27FC236}">
+                <a16:creationId xmlns:a16="http://schemas.microsoft.com/office/drawing/2014/main" id="{A9ABDB03-D6C0-97DB-3EFE-9A286F3E6A1F}"/>
+              </a:ext>
+            </a:extLst>
+          </p:cNvPr>
+          <p:cNvCxnSpPr>
+            <a:cxnSpLocks/>
+          </p:cNvCxnSpPr>
+          <p:nvPr/>
+        </p:nvCxnSpPr>
+        <p:spPr>
+          <a:xfrm flipH="1">
+            <a:off x="7098436" y="4030462"/>
+            <a:ext cx="1273207" cy="1083076"/>
+          </a:xfrm>
+          <a:prstGeom prst="straightConnector1">
+            <a:avLst/>
+          </a:prstGeom>
+          <a:ln>
+            <a:tailEnd type="triangle"/>
+          </a:ln>
+        </p:spPr>
+        <p:style>
+          <a:lnRef idx="1">
+            <a:schemeClr val="accent1"/>
+          </a:lnRef>
+          <a:fillRef idx="0">
+            <a:schemeClr val="accent1"/>
+          </a:fillRef>
+          <a:effectRef idx="0">
+            <a:schemeClr val="accent1"/>
+          </a:effectRef>
+          <a:fontRef idx="minor">
+            <a:schemeClr val="tx1"/>
+          </a:fontRef>
+        </p:style>
+      </p:cxnSp>
+      <p:cxnSp>
+        <p:nvCxnSpPr>
+          <p:cNvPr id="26" name="Gerade Verbindung mit Pfeil 25">
+            <a:extLst>
+              <a:ext uri="{FF2B5EF4-FFF2-40B4-BE49-F238E27FC236}">
+                <a16:creationId xmlns:a16="http://schemas.microsoft.com/office/drawing/2014/main" id="{6F4A56C1-9729-D55F-4A13-0EB8F0AABB09}"/>
+              </a:ext>
+            </a:extLst>
+          </p:cNvPr>
+          <p:cNvCxnSpPr>
+            <a:cxnSpLocks/>
+          </p:cNvCxnSpPr>
+          <p:nvPr/>
+        </p:nvCxnSpPr>
+        <p:spPr>
+          <a:xfrm>
+            <a:off x="3080551" y="3781887"/>
+            <a:ext cx="1524372" cy="1331651"/>
+          </a:xfrm>
+          <a:prstGeom prst="straightConnector1">
+            <a:avLst/>
+          </a:prstGeom>
+          <a:ln>
+            <a:tailEnd type="triangle"/>
+          </a:ln>
+        </p:spPr>
+        <p:style>
+          <a:lnRef idx="1">
+            <a:schemeClr val="accent1"/>
+          </a:lnRef>
+          <a:fillRef idx="0">
+            <a:schemeClr val="accent1"/>
+          </a:fillRef>
+          <a:effectRef idx="0">
+            <a:schemeClr val="accent1"/>
+          </a:effectRef>
+          <a:fontRef idx="minor">
+            <a:schemeClr val="tx1"/>
+          </a:fontRef>
+        </p:style>
+      </p:cxnSp>
+      <p:pic>
+        <p:nvPicPr>
+          <p:cNvPr id="1028" name="Picture 4">
+            <a:extLst>
+              <a:ext uri="{FF2B5EF4-FFF2-40B4-BE49-F238E27FC236}">
+                <a16:creationId xmlns:a16="http://schemas.microsoft.com/office/drawing/2014/main" id="{CA5A0532-CF1F-9FDB-F84D-2C4F6DD0455C}"/>
+              </a:ext>
+            </a:extLst>
+          </p:cNvPr>
+          <p:cNvPicPr>
+            <a:picLocks noChangeAspect="1" noChangeArrowheads="1"/>
+          </p:cNvPicPr>
+          <p:nvPr/>
+        </p:nvPicPr>
+        <p:blipFill>
+          <a:blip r:embed="rId7">
+            <a:extLst>
+              <a:ext uri="{28A0092B-C50C-407E-A947-70E740481C1C}">
+                <a14:useLocalDpi xmlns:a14="http://schemas.microsoft.com/office/drawing/2010/main" val="0"/>
+              </a:ext>
+            </a:extLst>
+          </a:blip>
+          <a:srcRect/>
+          <a:stretch>
+            <a:fillRect/>
+          </a:stretch>
+        </p:blipFill>
+        <p:spPr bwMode="auto">
+          <a:xfrm>
+            <a:off x="9403480" y="4562079"/>
+            <a:ext cx="1401003" cy="1310004"/>
+          </a:xfrm>
+          <a:prstGeom prst="rect">
+            <a:avLst/>
+          </a:prstGeom>
+          <a:noFill/>
+          <a:extLst>
+            <a:ext uri="{909E8E84-426E-40DD-AFC4-6F175D3DCCD1}">
+              <a14:hiddenFill xmlns:a14="http://schemas.microsoft.com/office/drawing/2010/main">
+                <a:solidFill>
+                  <a:srgbClr val="FFFFFF"/>
+                </a:solidFill>
+              </a14:hiddenFill>
+            </a:ext>
+          </a:extLst>
+        </p:spPr>
+      </p:pic>
     </p:spTree>
     <p:extLst>
       <p:ext uri="{BB962C8B-B14F-4D97-AF65-F5344CB8AC3E}">
